--- a/期末報告.pptx
+++ b/期末報告.pptx
@@ -5,21 +5,22 @@
     <p:sldMasterId id="2147483660" r:id="rId1"/>
   </p:sldMasterIdLst>
   <p:notesMasterIdLst>
-    <p:notesMasterId r:id="rId14"/>
+    <p:notesMasterId r:id="rId15"/>
   </p:notesMasterIdLst>
   <p:sldIdLst>
     <p:sldId id="257" r:id="rId2"/>
     <p:sldId id="258" r:id="rId3"/>
     <p:sldId id="263" r:id="rId4"/>
     <p:sldId id="264" r:id="rId5"/>
-    <p:sldId id="265" r:id="rId6"/>
-    <p:sldId id="266" r:id="rId7"/>
-    <p:sldId id="261" r:id="rId8"/>
-    <p:sldId id="268" r:id="rId9"/>
-    <p:sldId id="262" r:id="rId10"/>
-    <p:sldId id="271" r:id="rId11"/>
-    <p:sldId id="269" r:id="rId12"/>
-    <p:sldId id="270" r:id="rId13"/>
+    <p:sldId id="272" r:id="rId6"/>
+    <p:sldId id="265" r:id="rId7"/>
+    <p:sldId id="266" r:id="rId8"/>
+    <p:sldId id="261" r:id="rId9"/>
+    <p:sldId id="268" r:id="rId10"/>
+    <p:sldId id="262" r:id="rId11"/>
+    <p:sldId id="271" r:id="rId12"/>
+    <p:sldId id="269" r:id="rId13"/>
+    <p:sldId id="270" r:id="rId14"/>
   </p:sldIdLst>
   <p:sldSz cx="9144000" cy="6858000" type="screen4x3"/>
   <p:notesSz cx="6858000" cy="9144000"/>
@@ -127,6 +128,7 @@
             <p14:sldId id="258"/>
             <p14:sldId id="263"/>
             <p14:sldId id="264"/>
+            <p14:sldId id="272"/>
             <p14:sldId id="265"/>
             <p14:sldId id="266"/>
             <p14:sldId id="261"/>
@@ -140,7 +142,7 @@
       </p14:sectionLst>
     </p:ext>
     <p:ext uri="{EFAFB233-063F-42B5-8137-9DF3F51BA10A}">
-      <p15:sldGuideLst xmlns:p15="http://schemas.microsoft.com/office/powerpoint/2012/main">
+      <p15:sldGuideLst xmlns:p15="http://schemas.microsoft.com/office/powerpoint/2012/main" xmlns="">
         <p15:guide id="1" orient="horz" pos="2160">
           <p15:clr>
             <a:srgbClr val="A4A3A4"/>
@@ -239,7 +241,7 @@
           <a:p>
             <a:fld id="{79DA35AD-BB2A-47BD-B433-277D90EAA9CE}" type="datetimeFigureOut">
               <a:rPr lang="zh-TW" altLang="en-US" smtClean="0"/>
-              <a:t>2018/6/14</a:t>
+              <a:t>2018/6/18</a:t>
             </a:fld>
             <a:endParaRPr lang="zh-TW" altLang="en-US"/>
           </a:p>
@@ -920,7 +922,7 @@
           <a:p>
             <a:fld id="{B04F5A03-1419-402A-B162-CEFAB1533DB3}" type="datetime1">
               <a:rPr lang="zh-TW" altLang="en-US" smtClean="0"/>
-              <a:t>2018/6/14</a:t>
+              <a:t>2018/6/18</a:t>
             </a:fld>
             <a:endParaRPr lang="zh-TW" altLang="en-US"/>
           </a:p>
@@ -1192,7 +1194,7 @@
           <a:p>
             <a:fld id="{C0DF51A9-4566-4E47-A151-62F55C4EFADB}" type="datetime1">
               <a:rPr lang="zh-TW" altLang="en-US" smtClean="0"/>
-              <a:t>2018/6/14</a:t>
+              <a:t>2018/6/18</a:t>
             </a:fld>
             <a:endParaRPr lang="zh-TW" altLang="en-US"/>
           </a:p>
@@ -1372,7 +1374,7 @@
           <a:p>
             <a:fld id="{48482AD2-58F3-480A-BFAF-C1A77D825973}" type="datetime1">
               <a:rPr lang="zh-TW" altLang="en-US" smtClean="0"/>
-              <a:t>2018/6/14</a:t>
+              <a:t>2018/6/18</a:t>
             </a:fld>
             <a:endParaRPr lang="zh-TW" altLang="en-US"/>
           </a:p>
@@ -1880,7 +1882,7 @@
           <a:p>
             <a:fld id="{2E3EE4C2-F13B-4688-81F3-9382D3D32E2D}" type="datetime1">
               <a:rPr lang="zh-TW" altLang="en-US" smtClean="0"/>
-              <a:t>2018/6/14</a:t>
+              <a:t>2018/6/18</a:t>
             </a:fld>
             <a:endParaRPr lang="zh-TW" altLang="en-US"/>
           </a:p>
@@ -2126,7 +2128,7 @@
           <a:p>
             <a:fld id="{B5BC7B5C-C663-4EA0-A269-67251B1AFB27}" type="datetime1">
               <a:rPr lang="zh-TW" altLang="en-US" smtClean="0"/>
-              <a:t>2018/6/14</a:t>
+              <a:t>2018/6/18</a:t>
             </a:fld>
             <a:endParaRPr lang="zh-TW" altLang="en-US"/>
           </a:p>
@@ -2414,7 +2416,7 @@
           <a:p>
             <a:fld id="{3120347C-65D6-4DAD-83AE-7260AD3C3BE8}" type="datetime1">
               <a:rPr lang="zh-TW" altLang="en-US" smtClean="0"/>
-              <a:t>2018/6/14</a:t>
+              <a:t>2018/6/18</a:t>
             </a:fld>
             <a:endParaRPr lang="zh-TW" altLang="en-US"/>
           </a:p>
@@ -2836,7 +2838,7 @@
           <a:p>
             <a:fld id="{D0679379-9653-4CA7-95F0-48A40C1E86D4}" type="datetime1">
               <a:rPr lang="zh-TW" altLang="en-US" smtClean="0"/>
-              <a:t>2018/6/14</a:t>
+              <a:t>2018/6/18</a:t>
             </a:fld>
             <a:endParaRPr lang="zh-TW" altLang="en-US"/>
           </a:p>
@@ -2954,7 +2956,7 @@
           <a:p>
             <a:fld id="{5D8B7C89-64EE-4765-8CD5-75D4CD1FB00A}" type="datetime1">
               <a:rPr lang="zh-TW" altLang="en-US" smtClean="0"/>
-              <a:t>2018/6/14</a:t>
+              <a:t>2018/6/18</a:t>
             </a:fld>
             <a:endParaRPr lang="zh-TW" altLang="en-US"/>
           </a:p>
@@ -3049,7 +3051,7 @@
           <a:p>
             <a:fld id="{74FD234D-624B-44C2-8EC9-1500C833C051}" type="datetime1">
               <a:rPr lang="zh-TW" altLang="en-US" smtClean="0"/>
-              <a:t>2018/6/14</a:t>
+              <a:t>2018/6/18</a:t>
             </a:fld>
             <a:endParaRPr lang="zh-TW" altLang="en-US"/>
           </a:p>
@@ -3326,7 +3328,7 @@
           <a:p>
             <a:fld id="{617B703B-70EE-4E52-A31E-872C6F436120}" type="datetime1">
               <a:rPr lang="zh-TW" altLang="en-US" smtClean="0"/>
-              <a:t>2018/6/14</a:t>
+              <a:t>2018/6/18</a:t>
             </a:fld>
             <a:endParaRPr lang="zh-TW" altLang="en-US"/>
           </a:p>
@@ -3583,7 +3585,7 @@
           <a:p>
             <a:fld id="{B5B4881C-EE7E-462C-BC6A-6E44353946DF}" type="datetime1">
               <a:rPr lang="zh-TW" altLang="en-US" smtClean="0"/>
-              <a:t>2018/6/14</a:t>
+              <a:t>2018/6/18</a:t>
             </a:fld>
             <a:endParaRPr lang="zh-TW" altLang="en-US"/>
           </a:p>
@@ -3796,7 +3798,7 @@
           <a:p>
             <a:fld id="{79615A5A-8730-4E58-B16F-0D0C7EB7AC7E}" type="datetime1">
               <a:rPr lang="zh-TW" altLang="en-US" smtClean="0"/>
-              <a:t>2018/6/14</a:t>
+              <a:t>2018/6/18</a:t>
             </a:fld>
             <a:endParaRPr lang="zh-TW" altLang="en-US"/>
           </a:p>
@@ -4419,9 +4421,32 @@
           <a:p>
             <a:r>
               <a:rPr lang="zh-TW" altLang="en-US" dirty="0" smtClean="0"/>
-              <a:t>點搜尋結果</a:t>
+              <a:t>點搜尋</a:t>
             </a:r>
             <a:endParaRPr lang="zh-TW" altLang="en-US" dirty="0"/>
+          </a:p>
+        </p:txBody>
+      </p:sp>
+      <p:sp>
+        <p:nvSpPr>
+          <p:cNvPr id="4" name="投影片編號版面配置區 3"/>
+          <p:cNvSpPr>
+            <a:spLocks noGrp="1"/>
+          </p:cNvSpPr>
+          <p:nvPr>
+            <p:ph type="sldNum" sz="quarter" idx="12"/>
+          </p:nvPr>
+        </p:nvSpPr>
+        <p:spPr/>
+        <p:txBody>
+          <a:bodyPr/>
+          <a:lstStyle/>
+          <a:p>
+            <a:fld id="{C21CE693-C94F-4D51-9A09-64D673C470EB}" type="slidenum">
+              <a:rPr lang="zh-TW" altLang="en-US" smtClean="0"/>
+              <a:t>10</a:t>
+            </a:fld>
+            <a:endParaRPr lang="zh-TW" altLang="en-US"/>
           </a:p>
         </p:txBody>
       </p:sp>
@@ -4449,38 +4474,75 @@
         </p:blipFill>
         <p:spPr>
           <a:xfrm>
-            <a:off x="3203848" y="1576732"/>
-            <a:ext cx="2688691" cy="4779896"/>
+            <a:off x="237822" y="1785869"/>
+            <a:ext cx="2463432" cy="4379435"/>
           </a:xfrm>
         </p:spPr>
       </p:pic>
-      <p:sp>
-        <p:nvSpPr>
-          <p:cNvPr id="4" name="投影片編號版面配置區 3"/>
-          <p:cNvSpPr>
-            <a:spLocks noGrp="1"/>
-          </p:cNvSpPr>
-          <p:nvPr>
-            <p:ph type="sldNum" sz="quarter" idx="12"/>
-          </p:nvPr>
-        </p:nvSpPr>
-        <p:spPr/>
-        <p:txBody>
-          <a:bodyPr/>
-          <a:lstStyle/>
-          <a:p>
-            <a:fld id="{C21CE693-C94F-4D51-9A09-64D673C470EB}" type="slidenum">
-              <a:rPr lang="zh-TW" altLang="en-US" smtClean="0"/>
-              <a:t>10</a:t>
-            </a:fld>
-            <a:endParaRPr lang="zh-TW" altLang="en-US"/>
-          </a:p>
-        </p:txBody>
-      </p:sp>
+      <p:pic>
+        <p:nvPicPr>
+          <p:cNvPr id="7" name="圖片 6"/>
+          <p:cNvPicPr>
+            <a:picLocks noChangeAspect="1"/>
+          </p:cNvPicPr>
+          <p:nvPr/>
+        </p:nvPicPr>
+        <p:blipFill>
+          <a:blip r:embed="rId3" cstate="print">
+            <a:extLst>
+              <a:ext uri="{28A0092B-C50C-407E-A947-70E740481C1C}">
+                <a14:useLocalDpi xmlns:a14="http://schemas.microsoft.com/office/drawing/2010/main" val="0"/>
+              </a:ext>
+            </a:extLst>
+          </a:blip>
+          <a:stretch>
+            <a:fillRect/>
+          </a:stretch>
+        </p:blipFill>
+        <p:spPr>
+          <a:xfrm>
+            <a:off x="5940152" y="1722024"/>
+            <a:ext cx="2592288" cy="4608512"/>
+          </a:xfrm>
+          <a:prstGeom prst="rect">
+            <a:avLst/>
+          </a:prstGeom>
+        </p:spPr>
+      </p:pic>
+      <p:pic>
+        <p:nvPicPr>
+          <p:cNvPr id="8" name="圖片 7"/>
+          <p:cNvPicPr>
+            <a:picLocks noChangeAspect="1"/>
+          </p:cNvPicPr>
+          <p:nvPr/>
+        </p:nvPicPr>
+        <p:blipFill>
+          <a:blip r:embed="rId4" cstate="print">
+            <a:extLst>
+              <a:ext uri="{28A0092B-C50C-407E-A947-70E740481C1C}">
+                <a14:useLocalDpi xmlns:a14="http://schemas.microsoft.com/office/drawing/2010/main" val="0"/>
+              </a:ext>
+            </a:extLst>
+          </a:blip>
+          <a:stretch>
+            <a:fillRect/>
+          </a:stretch>
+        </p:blipFill>
+        <p:spPr>
+          <a:xfrm>
+            <a:off x="3033788" y="1779987"/>
+            <a:ext cx="2520280" cy="4480498"/>
+          </a:xfrm>
+          <a:prstGeom prst="rect">
+            <a:avLst/>
+          </a:prstGeom>
+        </p:spPr>
+      </p:pic>
     </p:spTree>
     <p:extLst>
       <p:ext uri="{BB962C8B-B14F-4D97-AF65-F5344CB8AC3E}">
-        <p14:creationId xmlns:p14="http://schemas.microsoft.com/office/powerpoint/2010/main" val="2267575985"/>
+        <p14:creationId xmlns:p14="http://schemas.microsoft.com/office/powerpoint/2010/main" val="81827137"/>
       </p:ext>
     </p:extLst>
   </p:cSld>
@@ -4524,6 +4586,111 @@
           <a:p>
             <a:r>
               <a:rPr lang="zh-TW" altLang="en-US" dirty="0" smtClean="0"/>
+              <a:t>點搜尋結果</a:t>
+            </a:r>
+            <a:endParaRPr lang="zh-TW" altLang="en-US" dirty="0"/>
+          </a:p>
+        </p:txBody>
+      </p:sp>
+      <p:pic>
+        <p:nvPicPr>
+          <p:cNvPr id="5" name="內容版面配置區 4"/>
+          <p:cNvPicPr>
+            <a:picLocks noGrp="1" noChangeAspect="1"/>
+          </p:cNvPicPr>
+          <p:nvPr>
+            <p:ph idx="1"/>
+          </p:nvPr>
+        </p:nvPicPr>
+        <p:blipFill>
+          <a:blip r:embed="rId2" cstate="print">
+            <a:extLst>
+              <a:ext uri="{28A0092B-C50C-407E-A947-70E740481C1C}">
+                <a14:useLocalDpi xmlns:a14="http://schemas.microsoft.com/office/drawing/2010/main" val="0"/>
+              </a:ext>
+            </a:extLst>
+          </a:blip>
+          <a:stretch>
+            <a:fillRect/>
+          </a:stretch>
+        </p:blipFill>
+        <p:spPr>
+          <a:xfrm>
+            <a:off x="3203848" y="1576732"/>
+            <a:ext cx="2688691" cy="4779896"/>
+          </a:xfrm>
+        </p:spPr>
+      </p:pic>
+      <p:sp>
+        <p:nvSpPr>
+          <p:cNvPr id="4" name="投影片編號版面配置區 3"/>
+          <p:cNvSpPr>
+            <a:spLocks noGrp="1"/>
+          </p:cNvSpPr>
+          <p:nvPr>
+            <p:ph type="sldNum" sz="quarter" idx="12"/>
+          </p:nvPr>
+        </p:nvSpPr>
+        <p:spPr/>
+        <p:txBody>
+          <a:bodyPr/>
+          <a:lstStyle/>
+          <a:p>
+            <a:fld id="{C21CE693-C94F-4D51-9A09-64D673C470EB}" type="slidenum">
+              <a:rPr lang="zh-TW" altLang="en-US" smtClean="0"/>
+              <a:t>11</a:t>
+            </a:fld>
+            <a:endParaRPr lang="zh-TW" altLang="en-US"/>
+          </a:p>
+        </p:txBody>
+      </p:sp>
+    </p:spTree>
+    <p:extLst>
+      <p:ext uri="{BB962C8B-B14F-4D97-AF65-F5344CB8AC3E}">
+        <p14:creationId xmlns:p14="http://schemas.microsoft.com/office/powerpoint/2010/main" val="2267575985"/>
+      </p:ext>
+    </p:extLst>
+  </p:cSld>
+  <p:clrMapOvr>
+    <a:masterClrMapping/>
+  </p:clrMapOvr>
+</p:sld>
+</file>
+
+<file path=ppt/slides/slide12.xml><?xml version="1.0" encoding="utf-8"?>
+<p:sld xmlns:a="http://schemas.openxmlformats.org/drawingml/2006/main" xmlns:r="http://schemas.openxmlformats.org/officeDocument/2006/relationships" xmlns:p="http://schemas.openxmlformats.org/presentationml/2006/main">
+  <p:cSld>
+    <p:spTree>
+      <p:nvGrpSpPr>
+        <p:cNvPr id="1" name=""/>
+        <p:cNvGrpSpPr/>
+        <p:nvPr/>
+      </p:nvGrpSpPr>
+      <p:grpSpPr>
+        <a:xfrm>
+          <a:off x="0" y="0"/>
+          <a:ext cx="0" cy="0"/>
+          <a:chOff x="0" y="0"/>
+          <a:chExt cx="0" cy="0"/>
+        </a:xfrm>
+      </p:grpSpPr>
+      <p:sp>
+        <p:nvSpPr>
+          <p:cNvPr id="2" name="標題 1"/>
+          <p:cNvSpPr>
+            <a:spLocks noGrp="1"/>
+          </p:cNvSpPr>
+          <p:nvPr>
+            <p:ph type="title"/>
+          </p:nvPr>
+        </p:nvSpPr>
+        <p:spPr/>
+        <p:txBody>
+          <a:bodyPr/>
+          <a:lstStyle/>
+          <a:p>
+            <a:r>
+              <a:rPr lang="zh-TW" altLang="en-US" dirty="0" smtClean="0"/>
               <a:t>點時鐘</a:t>
             </a:r>
             <a:endParaRPr lang="zh-TW" altLang="en-US" dirty="0"/>
@@ -4576,7 +4743,7 @@
           <a:p>
             <a:fld id="{C21CE693-C94F-4D51-9A09-64D673C470EB}" type="slidenum">
               <a:rPr lang="zh-TW" altLang="en-US" smtClean="0"/>
-              <a:t>11</a:t>
+              <a:t>12</a:t>
             </a:fld>
             <a:endParaRPr lang="zh-TW" altLang="en-US"/>
           </a:p>
@@ -4655,7 +4822,7 @@
 </p:sld>
 </file>
 
-<file path=ppt/slides/slide12.xml><?xml version="1.0" encoding="utf-8"?>
+<file path=ppt/slides/slide13.xml><?xml version="1.0" encoding="utf-8"?>
 <p:sld xmlns:a="http://schemas.openxmlformats.org/drawingml/2006/main" xmlns:r="http://schemas.openxmlformats.org/officeDocument/2006/relationships" xmlns:p="http://schemas.openxmlformats.org/presentationml/2006/main">
   <p:cSld>
     <p:spTree>
@@ -4741,7 +4908,7 @@
           <a:p>
             <a:fld id="{C21CE693-C94F-4D51-9A09-64D673C470EB}" type="slidenum">
               <a:rPr lang="zh-TW" altLang="en-US" smtClean="0"/>
-              <a:t>12</a:t>
+              <a:t>13</a:t>
             </a:fld>
             <a:endParaRPr lang="zh-TW" altLang="en-US"/>
           </a:p>
@@ -5285,6 +5452,13 @@
   <p:clrMapOvr>
     <a:masterClrMapping/>
   </p:clrMapOvr>
+  <p:timing>
+    <p:tnLst>
+      <p:par>
+        <p:cTn id="1" dur="indefinite" restart="never" nodeType="tmRoot"/>
+      </p:par>
+    </p:tnLst>
+  </p:timing>
 </p:sld>
 </file>
 
@@ -5320,50 +5494,7 @@
           <a:bodyPr/>
           <a:lstStyle/>
           <a:p>
-            <a:r>
-              <a:rPr lang="zh-TW" altLang="en-US" dirty="0"/>
-              <a:t>預期使用者</a:t>
-            </a:r>
-          </a:p>
-        </p:txBody>
-      </p:sp>
-      <p:sp>
-        <p:nvSpPr>
-          <p:cNvPr id="3" name="內容版面配置區 2"/>
-          <p:cNvSpPr>
-            <a:spLocks noGrp="1"/>
-          </p:cNvSpPr>
-          <p:nvPr>
-            <p:ph idx="1"/>
-          </p:nvPr>
-        </p:nvSpPr>
-        <p:spPr/>
-        <p:txBody>
-          <a:bodyPr/>
-          <a:lstStyle/>
-          <a:p>
-            <a:r>
-              <a:rPr lang="zh-TW" altLang="en-US" sz="4000" dirty="0" smtClean="0"/>
-              <a:t>家庭</a:t>
-            </a:r>
-            <a:endParaRPr lang="en-US" altLang="zh-TW" sz="4000" dirty="0" smtClean="0"/>
-          </a:p>
-          <a:p>
-            <a:r>
-              <a:rPr lang="zh-TW" altLang="en-US" sz="4000" dirty="0" smtClean="0"/>
-              <a:t>男女／普通朋友</a:t>
-            </a:r>
-            <a:endParaRPr lang="en-US" altLang="zh-TW" sz="4000" dirty="0" smtClean="0"/>
-          </a:p>
-          <a:p>
-            <a:r>
-              <a:rPr lang="zh-TW" altLang="en-US" sz="4000" dirty="0"/>
-              <a:t>銀髮族</a:t>
-            </a:r>
-            <a:endParaRPr lang="en-US" altLang="zh-TW" sz="4000" dirty="0" smtClean="0"/>
-          </a:p>
-          <a:p>
-            <a:endParaRPr lang="zh-TW" altLang="en-US" dirty="0"/>
+            <a:endParaRPr lang="zh-TW" altLang="en-US"/>
           </a:p>
         </p:txBody>
       </p:sp>
@@ -5390,16 +5521,52 @@
           </a:p>
         </p:txBody>
       </p:sp>
+      <p:pic>
+        <p:nvPicPr>
+          <p:cNvPr id="9" name="內容版面配置區 8"/>
+          <p:cNvPicPr>
+            <a:picLocks noGrp="1" noChangeAspect="1"/>
+          </p:cNvPicPr>
+          <p:nvPr>
+            <p:ph idx="1"/>
+          </p:nvPr>
+        </p:nvPicPr>
+        <p:blipFill>
+          <a:blip r:embed="rId2">
+            <a:extLst>
+              <a:ext uri="{28A0092B-C50C-407E-A947-70E740481C1C}">
+                <a14:useLocalDpi xmlns:a14="http://schemas.microsoft.com/office/drawing/2010/main" val="0"/>
+              </a:ext>
+            </a:extLst>
+          </a:blip>
+          <a:stretch>
+            <a:fillRect/>
+          </a:stretch>
+        </p:blipFill>
+        <p:spPr>
+          <a:xfrm>
+            <a:off x="3275856" y="19374"/>
+            <a:ext cx="2376264" cy="6710569"/>
+          </a:xfrm>
+        </p:spPr>
+      </p:pic>
     </p:spTree>
     <p:extLst>
       <p:ext uri="{BB962C8B-B14F-4D97-AF65-F5344CB8AC3E}">
-        <p14:creationId xmlns:p14="http://schemas.microsoft.com/office/powerpoint/2010/main" val="2770394122"/>
+        <p14:creationId xmlns:p14="http://schemas.microsoft.com/office/powerpoint/2010/main" val="3569390423"/>
       </p:ext>
     </p:extLst>
   </p:cSld>
   <p:clrMapOvr>
     <a:masterClrMapping/>
   </p:clrMapOvr>
+  <p:timing>
+    <p:tnLst>
+      <p:par>
+        <p:cTn id="1" dur="indefinite" restart="never" nodeType="tmRoot"/>
+      </p:par>
+    </p:tnLst>
+  </p:timing>
 </p:sld>
 </file>
 
@@ -5437,6 +5604,128 @@
           <a:p>
             <a:r>
               <a:rPr lang="zh-TW" altLang="en-US" dirty="0"/>
+              <a:t>預期使用者</a:t>
+            </a:r>
+          </a:p>
+        </p:txBody>
+      </p:sp>
+      <p:sp>
+        <p:nvSpPr>
+          <p:cNvPr id="3" name="內容版面配置區 2"/>
+          <p:cNvSpPr>
+            <a:spLocks noGrp="1"/>
+          </p:cNvSpPr>
+          <p:nvPr>
+            <p:ph idx="1"/>
+          </p:nvPr>
+        </p:nvSpPr>
+        <p:spPr/>
+        <p:txBody>
+          <a:bodyPr/>
+          <a:lstStyle/>
+          <a:p>
+            <a:r>
+              <a:rPr lang="zh-TW" altLang="en-US" sz="4000" dirty="0" smtClean="0"/>
+              <a:t>家庭</a:t>
+            </a:r>
+            <a:endParaRPr lang="en-US" altLang="zh-TW" sz="4000" dirty="0" smtClean="0"/>
+          </a:p>
+          <a:p>
+            <a:r>
+              <a:rPr lang="zh-TW" altLang="en-US" sz="4000" dirty="0" smtClean="0"/>
+              <a:t>男女／普通朋友</a:t>
+            </a:r>
+            <a:endParaRPr lang="en-US" altLang="zh-TW" sz="4000" dirty="0" smtClean="0"/>
+          </a:p>
+          <a:p>
+            <a:r>
+              <a:rPr lang="zh-TW" altLang="en-US" sz="4000" dirty="0"/>
+              <a:t>銀髮族</a:t>
+            </a:r>
+            <a:endParaRPr lang="en-US" altLang="zh-TW" sz="4000" dirty="0" smtClean="0"/>
+          </a:p>
+          <a:p>
+            <a:endParaRPr lang="zh-TW" altLang="en-US" dirty="0"/>
+          </a:p>
+        </p:txBody>
+      </p:sp>
+      <p:sp>
+        <p:nvSpPr>
+          <p:cNvPr id="4" name="投影片編號版面配置區 3"/>
+          <p:cNvSpPr>
+            <a:spLocks noGrp="1"/>
+          </p:cNvSpPr>
+          <p:nvPr>
+            <p:ph type="sldNum" sz="quarter" idx="12"/>
+          </p:nvPr>
+        </p:nvSpPr>
+        <p:spPr/>
+        <p:txBody>
+          <a:bodyPr/>
+          <a:lstStyle/>
+          <a:p>
+            <a:fld id="{C21CE693-C94F-4D51-9A09-64D673C470EB}" type="slidenum">
+              <a:rPr lang="zh-TW" altLang="en-US" smtClean="0"/>
+              <a:t>6</a:t>
+            </a:fld>
+            <a:endParaRPr lang="zh-TW" altLang="en-US"/>
+          </a:p>
+        </p:txBody>
+      </p:sp>
+    </p:spTree>
+    <p:extLst>
+      <p:ext uri="{BB962C8B-B14F-4D97-AF65-F5344CB8AC3E}">
+        <p14:creationId xmlns:p14="http://schemas.microsoft.com/office/powerpoint/2010/main" val="2770394122"/>
+      </p:ext>
+    </p:extLst>
+  </p:cSld>
+  <p:clrMapOvr>
+    <a:masterClrMapping/>
+  </p:clrMapOvr>
+  <p:timing>
+    <p:tnLst>
+      <p:par>
+        <p:cTn id="1" dur="indefinite" restart="never" nodeType="tmRoot"/>
+      </p:par>
+    </p:tnLst>
+  </p:timing>
+</p:sld>
+</file>
+
+<file path=ppt/slides/slide7.xml><?xml version="1.0" encoding="utf-8"?>
+<p:sld xmlns:a="http://schemas.openxmlformats.org/drawingml/2006/main" xmlns:r="http://schemas.openxmlformats.org/officeDocument/2006/relationships" xmlns:p="http://schemas.openxmlformats.org/presentationml/2006/main">
+  <p:cSld>
+    <p:spTree>
+      <p:nvGrpSpPr>
+        <p:cNvPr id="1" name=""/>
+        <p:cNvGrpSpPr/>
+        <p:nvPr/>
+      </p:nvGrpSpPr>
+      <p:grpSpPr>
+        <a:xfrm>
+          <a:off x="0" y="0"/>
+          <a:ext cx="0" cy="0"/>
+          <a:chOff x="0" y="0"/>
+          <a:chExt cx="0" cy="0"/>
+        </a:xfrm>
+      </p:grpSpPr>
+      <p:sp>
+        <p:nvSpPr>
+          <p:cNvPr id="2" name="標題 1"/>
+          <p:cNvSpPr>
+            <a:spLocks noGrp="1"/>
+          </p:cNvSpPr>
+          <p:nvPr>
+            <p:ph type="title"/>
+          </p:nvPr>
+        </p:nvSpPr>
+        <p:spPr/>
+        <p:txBody>
+          <a:bodyPr/>
+          <a:lstStyle/>
+          <a:p>
+            <a:r>
+              <a:rPr lang="zh-TW" altLang="en-US" dirty="0"/>
               <a:t>如何吸引使用者</a:t>
             </a:r>
           </a:p>
@@ -5504,7 +5793,7 @@
           <a:p>
             <a:fld id="{C21CE693-C94F-4D51-9A09-64D673C470EB}" type="slidenum">
               <a:rPr lang="zh-TW" altLang="en-US" smtClean="0"/>
-              <a:t>6</a:t>
+              <a:t>7</a:t>
             </a:fld>
             <a:endParaRPr lang="zh-TW" altLang="en-US"/>
           </a:p>
@@ -5520,10 +5809,17 @@
   <p:clrMapOvr>
     <a:masterClrMapping/>
   </p:clrMapOvr>
+  <p:timing>
+    <p:tnLst>
+      <p:par>
+        <p:cTn id="1" dur="indefinite" restart="never" nodeType="tmRoot"/>
+      </p:par>
+    </p:tnLst>
+  </p:timing>
 </p:sld>
 </file>
 
-<file path=ppt/slides/slide7.xml><?xml version="1.0" encoding="utf-8"?>
+<file path=ppt/slides/slide8.xml><?xml version="1.0" encoding="utf-8"?>
 <p:sld xmlns:a="http://schemas.openxmlformats.org/drawingml/2006/main" xmlns:r="http://schemas.openxmlformats.org/officeDocument/2006/relationships" xmlns:p="http://schemas.openxmlformats.org/presentationml/2006/main">
   <p:cSld>
     <p:spTree>
@@ -5600,7 +5896,7 @@
           <a:p>
             <a:fld id="{C21CE693-C94F-4D51-9A09-64D673C470EB}" type="slidenum">
               <a:rPr lang="zh-TW" altLang="en-US" smtClean="0"/>
-              <a:t>7</a:t>
+              <a:t>8</a:t>
             </a:fld>
             <a:endParaRPr lang="zh-TW" altLang="en-US"/>
           </a:p>
@@ -5632,42 +5928,42 @@
                 <a:gridCol w="1257354">
                   <a:extLst>
                     <a:ext uri="{9D8B030D-6E8A-4147-A177-3AD203B41FA5}">
-                      <a16:colId xmlns:a16="http://schemas.microsoft.com/office/drawing/2014/main" val="20000"/>
+                      <a16:colId xmlns:a16="http://schemas.microsoft.com/office/drawing/2014/main" xmlns="" val="20000"/>
                     </a:ext>
                   </a:extLst>
                 </a:gridCol>
                 <a:gridCol w="1325429">
                   <a:extLst>
                     <a:ext uri="{9D8B030D-6E8A-4147-A177-3AD203B41FA5}">
-                      <a16:colId xmlns:a16="http://schemas.microsoft.com/office/drawing/2014/main" val="20001"/>
+                      <a16:colId xmlns:a16="http://schemas.microsoft.com/office/drawing/2014/main" xmlns="" val="20001"/>
                     </a:ext>
                   </a:extLst>
                 </a:gridCol>
                 <a:gridCol w="1325429">
                   <a:extLst>
                     <a:ext uri="{9D8B030D-6E8A-4147-A177-3AD203B41FA5}">
-                      <a16:colId xmlns:a16="http://schemas.microsoft.com/office/drawing/2014/main" val="20002"/>
+                      <a16:colId xmlns:a16="http://schemas.microsoft.com/office/drawing/2014/main" xmlns="" val="20002"/>
                     </a:ext>
                   </a:extLst>
                 </a:gridCol>
                 <a:gridCol w="1325429">
                   <a:extLst>
                     <a:ext uri="{9D8B030D-6E8A-4147-A177-3AD203B41FA5}">
-                      <a16:colId xmlns:a16="http://schemas.microsoft.com/office/drawing/2014/main" val="20003"/>
+                      <a16:colId xmlns:a16="http://schemas.microsoft.com/office/drawing/2014/main" xmlns="" val="20003"/>
                     </a:ext>
                   </a:extLst>
                 </a:gridCol>
                 <a:gridCol w="1325429">
                   <a:extLst>
                     <a:ext uri="{9D8B030D-6E8A-4147-A177-3AD203B41FA5}">
-                      <a16:colId xmlns:a16="http://schemas.microsoft.com/office/drawing/2014/main" val="20004"/>
+                      <a16:colId xmlns:a16="http://schemas.microsoft.com/office/drawing/2014/main" xmlns="" val="20004"/>
                     </a:ext>
                   </a:extLst>
                 </a:gridCol>
                 <a:gridCol w="1325429">
                   <a:extLst>
                     <a:ext uri="{9D8B030D-6E8A-4147-A177-3AD203B41FA5}">
-                      <a16:colId xmlns:a16="http://schemas.microsoft.com/office/drawing/2014/main" val="20005"/>
+                      <a16:colId xmlns:a16="http://schemas.microsoft.com/office/drawing/2014/main" xmlns="" val="20005"/>
                     </a:ext>
                   </a:extLst>
                 </a:gridCol>
@@ -5839,7 +6135,7 @@
                 </a:tc>
                 <a:extLst>
                   <a:ext uri="{0D108BD9-81ED-4DB2-BD59-A6C34878D82A}">
-                    <a16:rowId xmlns:a16="http://schemas.microsoft.com/office/drawing/2014/main" val="10000"/>
+                    <a16:rowId xmlns:a16="http://schemas.microsoft.com/office/drawing/2014/main" xmlns="" val="10000"/>
                   </a:ext>
                 </a:extLst>
               </a:tr>
@@ -6251,7 +6547,7 @@
                 </a:tc>
                 <a:extLst>
                   <a:ext uri="{0D108BD9-81ED-4DB2-BD59-A6C34878D82A}">
-                    <a16:rowId xmlns:a16="http://schemas.microsoft.com/office/drawing/2014/main" val="10001"/>
+                    <a16:rowId xmlns:a16="http://schemas.microsoft.com/office/drawing/2014/main" xmlns="" val="10001"/>
                   </a:ext>
                 </a:extLst>
               </a:tr>
@@ -6482,7 +6778,7 @@
                 </a:tc>
                 <a:extLst>
                   <a:ext uri="{0D108BD9-81ED-4DB2-BD59-A6C34878D82A}">
-                    <a16:rowId xmlns:a16="http://schemas.microsoft.com/office/drawing/2014/main" val="10002"/>
+                    <a16:rowId xmlns:a16="http://schemas.microsoft.com/office/drawing/2014/main" xmlns="" val="10002"/>
                   </a:ext>
                 </a:extLst>
               </a:tr>
@@ -6643,7 +6939,7 @@
                 </a:tc>
                 <a:extLst>
                   <a:ext uri="{0D108BD9-81ED-4DB2-BD59-A6C34878D82A}">
-                    <a16:rowId xmlns:a16="http://schemas.microsoft.com/office/drawing/2014/main" val="10003"/>
+                    <a16:rowId xmlns:a16="http://schemas.microsoft.com/office/drawing/2014/main" xmlns="" val="10003"/>
                   </a:ext>
                 </a:extLst>
               </a:tr>
@@ -6779,7 +7075,7 @@
                 </a:tc>
                 <a:extLst>
                   <a:ext uri="{0D108BD9-81ED-4DB2-BD59-A6C34878D82A}">
-                    <a16:rowId xmlns:a16="http://schemas.microsoft.com/office/drawing/2014/main" val="10004"/>
+                    <a16:rowId xmlns:a16="http://schemas.microsoft.com/office/drawing/2014/main" xmlns="" val="10004"/>
                   </a:ext>
                 </a:extLst>
               </a:tr>
@@ -6803,7 +7099,7 @@
 </p:sld>
 </file>
 
-<file path=ppt/slides/slide8.xml><?xml version="1.0" encoding="utf-8"?>
+<file path=ppt/slides/slide9.xml><?xml version="1.0" encoding="utf-8"?>
 <p:sld xmlns:a="http://schemas.openxmlformats.org/drawingml/2006/main" xmlns:r="http://schemas.openxmlformats.org/officeDocument/2006/relationships" xmlns:p="http://schemas.openxmlformats.org/presentationml/2006/main">
   <p:cSld>
     <p:spTree>
@@ -6864,7 +7160,7 @@
           <a:p>
             <a:fld id="{C21CE693-C94F-4D51-9A09-64D673C470EB}" type="slidenum">
               <a:rPr lang="zh-TW" altLang="en-US" smtClean="0"/>
-              <a:t>8</a:t>
+              <a:t>9</a:t>
             </a:fld>
             <a:endParaRPr lang="zh-TW" altLang="en-US"/>
           </a:p>
@@ -6934,171 +7230,6 @@
     <p:extLst>
       <p:ext uri="{BB962C8B-B14F-4D97-AF65-F5344CB8AC3E}">
         <p14:creationId xmlns:p14="http://schemas.microsoft.com/office/powerpoint/2010/main" val="209610002"/>
-      </p:ext>
-    </p:extLst>
-  </p:cSld>
-  <p:clrMapOvr>
-    <a:masterClrMapping/>
-  </p:clrMapOvr>
-</p:sld>
-</file>
-
-<file path=ppt/slides/slide9.xml><?xml version="1.0" encoding="utf-8"?>
-<p:sld xmlns:a="http://schemas.openxmlformats.org/drawingml/2006/main" xmlns:r="http://schemas.openxmlformats.org/officeDocument/2006/relationships" xmlns:p="http://schemas.openxmlformats.org/presentationml/2006/main">
-  <p:cSld>
-    <p:spTree>
-      <p:nvGrpSpPr>
-        <p:cNvPr id="1" name=""/>
-        <p:cNvGrpSpPr/>
-        <p:nvPr/>
-      </p:nvGrpSpPr>
-      <p:grpSpPr>
-        <a:xfrm>
-          <a:off x="0" y="0"/>
-          <a:ext cx="0" cy="0"/>
-          <a:chOff x="0" y="0"/>
-          <a:chExt cx="0" cy="0"/>
-        </a:xfrm>
-      </p:grpSpPr>
-      <p:sp>
-        <p:nvSpPr>
-          <p:cNvPr id="2" name="標題 1"/>
-          <p:cNvSpPr>
-            <a:spLocks noGrp="1"/>
-          </p:cNvSpPr>
-          <p:nvPr>
-            <p:ph type="title"/>
-          </p:nvPr>
-        </p:nvSpPr>
-        <p:spPr/>
-        <p:txBody>
-          <a:bodyPr/>
-          <a:lstStyle/>
-          <a:p>
-            <a:r>
-              <a:rPr lang="zh-TW" altLang="en-US" dirty="0" smtClean="0"/>
-              <a:t>點搜尋</a:t>
-            </a:r>
-            <a:endParaRPr lang="zh-TW" altLang="en-US" dirty="0"/>
-          </a:p>
-        </p:txBody>
-      </p:sp>
-      <p:sp>
-        <p:nvSpPr>
-          <p:cNvPr id="4" name="投影片編號版面配置區 3"/>
-          <p:cNvSpPr>
-            <a:spLocks noGrp="1"/>
-          </p:cNvSpPr>
-          <p:nvPr>
-            <p:ph type="sldNum" sz="quarter" idx="12"/>
-          </p:nvPr>
-        </p:nvSpPr>
-        <p:spPr/>
-        <p:txBody>
-          <a:bodyPr/>
-          <a:lstStyle/>
-          <a:p>
-            <a:fld id="{C21CE693-C94F-4D51-9A09-64D673C470EB}" type="slidenum">
-              <a:rPr lang="zh-TW" altLang="en-US" smtClean="0"/>
-              <a:t>9</a:t>
-            </a:fld>
-            <a:endParaRPr lang="zh-TW" altLang="en-US"/>
-          </a:p>
-        </p:txBody>
-      </p:sp>
-      <p:pic>
-        <p:nvPicPr>
-          <p:cNvPr id="5" name="內容版面配置區 4"/>
-          <p:cNvPicPr>
-            <a:picLocks noGrp="1" noChangeAspect="1"/>
-          </p:cNvPicPr>
-          <p:nvPr>
-            <p:ph idx="1"/>
-          </p:nvPr>
-        </p:nvPicPr>
-        <p:blipFill>
-          <a:blip r:embed="rId2" cstate="print">
-            <a:extLst>
-              <a:ext uri="{28A0092B-C50C-407E-A947-70E740481C1C}">
-                <a14:useLocalDpi xmlns:a14="http://schemas.microsoft.com/office/drawing/2010/main" val="0"/>
-              </a:ext>
-            </a:extLst>
-          </a:blip>
-          <a:stretch>
-            <a:fillRect/>
-          </a:stretch>
-        </p:blipFill>
-        <p:spPr>
-          <a:xfrm>
-            <a:off x="237822" y="1785869"/>
-            <a:ext cx="2463432" cy="4379435"/>
-          </a:xfrm>
-        </p:spPr>
-      </p:pic>
-      <p:pic>
-        <p:nvPicPr>
-          <p:cNvPr id="7" name="圖片 6"/>
-          <p:cNvPicPr>
-            <a:picLocks noChangeAspect="1"/>
-          </p:cNvPicPr>
-          <p:nvPr/>
-        </p:nvPicPr>
-        <p:blipFill>
-          <a:blip r:embed="rId3" cstate="print">
-            <a:extLst>
-              <a:ext uri="{28A0092B-C50C-407E-A947-70E740481C1C}">
-                <a14:useLocalDpi xmlns:a14="http://schemas.microsoft.com/office/drawing/2010/main" val="0"/>
-              </a:ext>
-            </a:extLst>
-          </a:blip>
-          <a:stretch>
-            <a:fillRect/>
-          </a:stretch>
-        </p:blipFill>
-        <p:spPr>
-          <a:xfrm>
-            <a:off x="5940152" y="1722024"/>
-            <a:ext cx="2592288" cy="4608512"/>
-          </a:xfrm>
-          <a:prstGeom prst="rect">
-            <a:avLst/>
-          </a:prstGeom>
-        </p:spPr>
-      </p:pic>
-      <p:pic>
-        <p:nvPicPr>
-          <p:cNvPr id="8" name="圖片 7"/>
-          <p:cNvPicPr>
-            <a:picLocks noChangeAspect="1"/>
-          </p:cNvPicPr>
-          <p:nvPr/>
-        </p:nvPicPr>
-        <p:blipFill>
-          <a:blip r:embed="rId4" cstate="print">
-            <a:extLst>
-              <a:ext uri="{28A0092B-C50C-407E-A947-70E740481C1C}">
-                <a14:useLocalDpi xmlns:a14="http://schemas.microsoft.com/office/drawing/2010/main" val="0"/>
-              </a:ext>
-            </a:extLst>
-          </a:blip>
-          <a:stretch>
-            <a:fillRect/>
-          </a:stretch>
-        </p:blipFill>
-        <p:spPr>
-          <a:xfrm>
-            <a:off x="3033788" y="1779987"/>
-            <a:ext cx="2520280" cy="4480498"/>
-          </a:xfrm>
-          <a:prstGeom prst="rect">
-            <a:avLst/>
-          </a:prstGeom>
-        </p:spPr>
-      </p:pic>
-    </p:spTree>
-    <p:extLst>
-      <p:ext uri="{BB962C8B-B14F-4D97-AF65-F5344CB8AC3E}">
-        <p14:creationId xmlns:p14="http://schemas.microsoft.com/office/powerpoint/2010/main" val="81827137"/>
       </p:ext>
     </p:extLst>
   </p:cSld>

--- a/期末報告.pptx
+++ b/期末報告.pptx
@@ -142,7 +142,7 @@
       </p14:sectionLst>
     </p:ext>
     <p:ext uri="{EFAFB233-063F-42B5-8137-9DF3F51BA10A}">
-      <p15:sldGuideLst xmlns:p15="http://schemas.microsoft.com/office/powerpoint/2012/main" xmlns="">
+      <p15:sldGuideLst xmlns:p15="http://schemas.microsoft.com/office/powerpoint/2012/main">
         <p15:guide id="1" orient="horz" pos="2160">
           <p15:clr>
             <a:srgbClr val="A4A3A4"/>
@@ -241,7 +241,7 @@
           <a:p>
             <a:fld id="{79DA35AD-BB2A-47BD-B433-277D90EAA9CE}" type="datetimeFigureOut">
               <a:rPr lang="zh-TW" altLang="en-US" smtClean="0"/>
-              <a:t>2018/6/18</a:t>
+              <a:t>2018/6/20</a:t>
             </a:fld>
             <a:endParaRPr lang="zh-TW" altLang="en-US"/>
           </a:p>
@@ -922,7 +922,7 @@
           <a:p>
             <a:fld id="{B04F5A03-1419-402A-B162-CEFAB1533DB3}" type="datetime1">
               <a:rPr lang="zh-TW" altLang="en-US" smtClean="0"/>
-              <a:t>2018/6/18</a:t>
+              <a:t>2018/6/20</a:t>
             </a:fld>
             <a:endParaRPr lang="zh-TW" altLang="en-US"/>
           </a:p>
@@ -1194,7 +1194,7 @@
           <a:p>
             <a:fld id="{C0DF51A9-4566-4E47-A151-62F55C4EFADB}" type="datetime1">
               <a:rPr lang="zh-TW" altLang="en-US" smtClean="0"/>
-              <a:t>2018/6/18</a:t>
+              <a:t>2018/6/20</a:t>
             </a:fld>
             <a:endParaRPr lang="zh-TW" altLang="en-US"/>
           </a:p>
@@ -1374,7 +1374,7 @@
           <a:p>
             <a:fld id="{48482AD2-58F3-480A-BFAF-C1A77D825973}" type="datetime1">
               <a:rPr lang="zh-TW" altLang="en-US" smtClean="0"/>
-              <a:t>2018/6/18</a:t>
+              <a:t>2018/6/20</a:t>
             </a:fld>
             <a:endParaRPr lang="zh-TW" altLang="en-US"/>
           </a:p>
@@ -1882,7 +1882,7 @@
           <a:p>
             <a:fld id="{2E3EE4C2-F13B-4688-81F3-9382D3D32E2D}" type="datetime1">
               <a:rPr lang="zh-TW" altLang="en-US" smtClean="0"/>
-              <a:t>2018/6/18</a:t>
+              <a:t>2018/6/20</a:t>
             </a:fld>
             <a:endParaRPr lang="zh-TW" altLang="en-US"/>
           </a:p>
@@ -2128,7 +2128,7 @@
           <a:p>
             <a:fld id="{B5BC7B5C-C663-4EA0-A269-67251B1AFB27}" type="datetime1">
               <a:rPr lang="zh-TW" altLang="en-US" smtClean="0"/>
-              <a:t>2018/6/18</a:t>
+              <a:t>2018/6/20</a:t>
             </a:fld>
             <a:endParaRPr lang="zh-TW" altLang="en-US"/>
           </a:p>
@@ -2416,7 +2416,7 @@
           <a:p>
             <a:fld id="{3120347C-65D6-4DAD-83AE-7260AD3C3BE8}" type="datetime1">
               <a:rPr lang="zh-TW" altLang="en-US" smtClean="0"/>
-              <a:t>2018/6/18</a:t>
+              <a:t>2018/6/20</a:t>
             </a:fld>
             <a:endParaRPr lang="zh-TW" altLang="en-US"/>
           </a:p>
@@ -2838,7 +2838,7 @@
           <a:p>
             <a:fld id="{D0679379-9653-4CA7-95F0-48A40C1E86D4}" type="datetime1">
               <a:rPr lang="zh-TW" altLang="en-US" smtClean="0"/>
-              <a:t>2018/6/18</a:t>
+              <a:t>2018/6/20</a:t>
             </a:fld>
             <a:endParaRPr lang="zh-TW" altLang="en-US"/>
           </a:p>
@@ -2956,7 +2956,7 @@
           <a:p>
             <a:fld id="{5D8B7C89-64EE-4765-8CD5-75D4CD1FB00A}" type="datetime1">
               <a:rPr lang="zh-TW" altLang="en-US" smtClean="0"/>
-              <a:t>2018/6/18</a:t>
+              <a:t>2018/6/20</a:t>
             </a:fld>
             <a:endParaRPr lang="zh-TW" altLang="en-US"/>
           </a:p>
@@ -3051,7 +3051,7 @@
           <a:p>
             <a:fld id="{74FD234D-624B-44C2-8EC9-1500C833C051}" type="datetime1">
               <a:rPr lang="zh-TW" altLang="en-US" smtClean="0"/>
-              <a:t>2018/6/18</a:t>
+              <a:t>2018/6/20</a:t>
             </a:fld>
             <a:endParaRPr lang="zh-TW" altLang="en-US"/>
           </a:p>
@@ -3328,7 +3328,7 @@
           <a:p>
             <a:fld id="{617B703B-70EE-4E52-A31E-872C6F436120}" type="datetime1">
               <a:rPr lang="zh-TW" altLang="en-US" smtClean="0"/>
-              <a:t>2018/6/18</a:t>
+              <a:t>2018/6/20</a:t>
             </a:fld>
             <a:endParaRPr lang="zh-TW" altLang="en-US"/>
           </a:p>
@@ -3585,7 +3585,7 @@
           <a:p>
             <a:fld id="{B5B4881C-EE7E-462C-BC6A-6E44353946DF}" type="datetime1">
               <a:rPr lang="zh-TW" altLang="en-US" smtClean="0"/>
-              <a:t>2018/6/18</a:t>
+              <a:t>2018/6/20</a:t>
             </a:fld>
             <a:endParaRPr lang="zh-TW" altLang="en-US"/>
           </a:p>
@@ -3798,7 +3798,7 @@
           <a:p>
             <a:fld id="{79615A5A-8730-4E58-B16F-0D0C7EB7AC7E}" type="datetime1">
               <a:rPr lang="zh-TW" altLang="en-US" smtClean="0"/>
-              <a:t>2018/6/18</a:t>
+              <a:t>2018/6/20</a:t>
             </a:fld>
             <a:endParaRPr lang="zh-TW" altLang="en-US"/>
           </a:p>
@@ -4862,9 +4862,32 @@
           </a:p>
         </p:txBody>
       </p:sp>
+      <p:sp>
+        <p:nvSpPr>
+          <p:cNvPr id="4" name="投影片編號版面配置區 3"/>
+          <p:cNvSpPr>
+            <a:spLocks noGrp="1"/>
+          </p:cNvSpPr>
+          <p:nvPr>
+            <p:ph type="sldNum" sz="quarter" idx="12"/>
+          </p:nvPr>
+        </p:nvSpPr>
+        <p:spPr/>
+        <p:txBody>
+          <a:bodyPr/>
+          <a:lstStyle/>
+          <a:p>
+            <a:fld id="{C21CE693-C94F-4D51-9A09-64D673C470EB}" type="slidenum">
+              <a:rPr lang="zh-TW" altLang="en-US" smtClean="0"/>
+              <a:t>13</a:t>
+            </a:fld>
+            <a:endParaRPr lang="zh-TW" altLang="en-US"/>
+          </a:p>
+        </p:txBody>
+      </p:sp>
       <p:pic>
         <p:nvPicPr>
-          <p:cNvPr id="5" name="內容版面配置區 4"/>
+          <p:cNvPr id="6" name="內容版面配置區 5"/>
           <p:cNvPicPr>
             <a:picLocks noGrp="1" noChangeAspect="1"/>
           </p:cNvPicPr>
@@ -4873,7 +4896,7 @@
           </p:nvPr>
         </p:nvPicPr>
         <p:blipFill>
-          <a:blip r:embed="rId2">
+          <a:blip r:embed="rId2" cstate="print">
             <a:extLst>
               <a:ext uri="{28A0092B-C50C-407E-A947-70E740481C1C}">
                 <a14:useLocalDpi xmlns:a14="http://schemas.microsoft.com/office/drawing/2010/main" val="0"/>
@@ -4886,34 +4909,71 @@
         </p:blipFill>
         <p:spPr>
           <a:xfrm>
-            <a:off x="2771800" y="1700808"/>
-            <a:ext cx="3848433" cy="4191363"/>
+            <a:off x="794480" y="1668958"/>
+            <a:ext cx="2304491" cy="4096874"/>
           </a:xfrm>
         </p:spPr>
       </p:pic>
-      <p:sp>
-        <p:nvSpPr>
-          <p:cNvPr id="4" name="投影片編號版面配置區 3"/>
-          <p:cNvSpPr>
-            <a:spLocks noGrp="1"/>
-          </p:cNvSpPr>
-          <p:nvPr>
-            <p:ph type="sldNum" sz="quarter" idx="12"/>
-          </p:nvPr>
-        </p:nvSpPr>
-        <p:spPr/>
-        <p:txBody>
-          <a:bodyPr/>
-          <a:lstStyle/>
-          <a:p>
-            <a:fld id="{C21CE693-C94F-4D51-9A09-64D673C470EB}" type="slidenum">
-              <a:rPr lang="zh-TW" altLang="en-US" smtClean="0"/>
-              <a:t>13</a:t>
-            </a:fld>
-            <a:endParaRPr lang="zh-TW" altLang="en-US"/>
-          </a:p>
-        </p:txBody>
-      </p:sp>
+      <p:pic>
+        <p:nvPicPr>
+          <p:cNvPr id="7" name="圖片 6"/>
+          <p:cNvPicPr>
+            <a:picLocks noChangeAspect="1"/>
+          </p:cNvPicPr>
+          <p:nvPr/>
+        </p:nvPicPr>
+        <p:blipFill>
+          <a:blip r:embed="rId3" cstate="print">
+            <a:extLst>
+              <a:ext uri="{28A0092B-C50C-407E-A947-70E740481C1C}">
+                <a14:useLocalDpi xmlns:a14="http://schemas.microsoft.com/office/drawing/2010/main" val="0"/>
+              </a:ext>
+            </a:extLst>
+          </a:blip>
+          <a:stretch>
+            <a:fillRect/>
+          </a:stretch>
+        </p:blipFill>
+        <p:spPr>
+          <a:xfrm>
+            <a:off x="3407820" y="1668958"/>
+            <a:ext cx="2223482" cy="3952858"/>
+          </a:xfrm>
+          <a:prstGeom prst="rect">
+            <a:avLst/>
+          </a:prstGeom>
+        </p:spPr>
+      </p:pic>
+      <p:pic>
+        <p:nvPicPr>
+          <p:cNvPr id="8" name="圖片 7"/>
+          <p:cNvPicPr>
+            <a:picLocks noChangeAspect="1"/>
+          </p:cNvPicPr>
+          <p:nvPr/>
+        </p:nvPicPr>
+        <p:blipFill>
+          <a:blip r:embed="rId4" cstate="print">
+            <a:extLst>
+              <a:ext uri="{28A0092B-C50C-407E-A947-70E740481C1C}">
+                <a14:useLocalDpi xmlns:a14="http://schemas.microsoft.com/office/drawing/2010/main" val="0"/>
+              </a:ext>
+            </a:extLst>
+          </a:blip>
+          <a:stretch>
+            <a:fillRect/>
+          </a:stretch>
+        </p:blipFill>
+        <p:spPr>
+          <a:xfrm>
+            <a:off x="5940152" y="1668958"/>
+            <a:ext cx="2304492" cy="4096874"/>
+          </a:xfrm>
+          <a:prstGeom prst="rect">
+            <a:avLst/>
+          </a:prstGeom>
+        </p:spPr>
+      </p:pic>
     </p:spTree>
     <p:extLst>
       <p:ext uri="{BB962C8B-B14F-4D97-AF65-F5344CB8AC3E}">
@@ -5928,42 +5988,42 @@
                 <a:gridCol w="1257354">
                   <a:extLst>
                     <a:ext uri="{9D8B030D-6E8A-4147-A177-3AD203B41FA5}">
-                      <a16:colId xmlns:a16="http://schemas.microsoft.com/office/drawing/2014/main" xmlns="" val="20000"/>
+                      <a16:colId xmlns:a16="http://schemas.microsoft.com/office/drawing/2014/main" val="20000"/>
                     </a:ext>
                   </a:extLst>
                 </a:gridCol>
                 <a:gridCol w="1325429">
                   <a:extLst>
                     <a:ext uri="{9D8B030D-6E8A-4147-A177-3AD203B41FA5}">
-                      <a16:colId xmlns:a16="http://schemas.microsoft.com/office/drawing/2014/main" xmlns="" val="20001"/>
+                      <a16:colId xmlns:a16="http://schemas.microsoft.com/office/drawing/2014/main" val="20001"/>
                     </a:ext>
                   </a:extLst>
                 </a:gridCol>
                 <a:gridCol w="1325429">
                   <a:extLst>
                     <a:ext uri="{9D8B030D-6E8A-4147-A177-3AD203B41FA5}">
-                      <a16:colId xmlns:a16="http://schemas.microsoft.com/office/drawing/2014/main" xmlns="" val="20002"/>
+                      <a16:colId xmlns:a16="http://schemas.microsoft.com/office/drawing/2014/main" val="20002"/>
                     </a:ext>
                   </a:extLst>
                 </a:gridCol>
                 <a:gridCol w="1325429">
                   <a:extLst>
                     <a:ext uri="{9D8B030D-6E8A-4147-A177-3AD203B41FA5}">
-                      <a16:colId xmlns:a16="http://schemas.microsoft.com/office/drawing/2014/main" xmlns="" val="20003"/>
+                      <a16:colId xmlns:a16="http://schemas.microsoft.com/office/drawing/2014/main" val="20003"/>
                     </a:ext>
                   </a:extLst>
                 </a:gridCol>
                 <a:gridCol w="1325429">
                   <a:extLst>
                     <a:ext uri="{9D8B030D-6E8A-4147-A177-3AD203B41FA5}">
-                      <a16:colId xmlns:a16="http://schemas.microsoft.com/office/drawing/2014/main" xmlns="" val="20004"/>
+                      <a16:colId xmlns:a16="http://schemas.microsoft.com/office/drawing/2014/main" val="20004"/>
                     </a:ext>
                   </a:extLst>
                 </a:gridCol>
                 <a:gridCol w="1325429">
                   <a:extLst>
                     <a:ext uri="{9D8B030D-6E8A-4147-A177-3AD203B41FA5}">
-                      <a16:colId xmlns:a16="http://schemas.microsoft.com/office/drawing/2014/main" xmlns="" val="20005"/>
+                      <a16:colId xmlns:a16="http://schemas.microsoft.com/office/drawing/2014/main" val="20005"/>
                     </a:ext>
                   </a:extLst>
                 </a:gridCol>
@@ -6135,7 +6195,7 @@
                 </a:tc>
                 <a:extLst>
                   <a:ext uri="{0D108BD9-81ED-4DB2-BD59-A6C34878D82A}">
-                    <a16:rowId xmlns:a16="http://schemas.microsoft.com/office/drawing/2014/main" xmlns="" val="10000"/>
+                    <a16:rowId xmlns:a16="http://schemas.microsoft.com/office/drawing/2014/main" val="10000"/>
                   </a:ext>
                 </a:extLst>
               </a:tr>
@@ -6547,7 +6607,7 @@
                 </a:tc>
                 <a:extLst>
                   <a:ext uri="{0D108BD9-81ED-4DB2-BD59-A6C34878D82A}">
-                    <a16:rowId xmlns:a16="http://schemas.microsoft.com/office/drawing/2014/main" xmlns="" val="10001"/>
+                    <a16:rowId xmlns:a16="http://schemas.microsoft.com/office/drawing/2014/main" val="10001"/>
                   </a:ext>
                 </a:extLst>
               </a:tr>
@@ -6778,7 +6838,7 @@
                 </a:tc>
                 <a:extLst>
                   <a:ext uri="{0D108BD9-81ED-4DB2-BD59-A6C34878D82A}">
-                    <a16:rowId xmlns:a16="http://schemas.microsoft.com/office/drawing/2014/main" xmlns="" val="10002"/>
+                    <a16:rowId xmlns:a16="http://schemas.microsoft.com/office/drawing/2014/main" val="10002"/>
                   </a:ext>
                 </a:extLst>
               </a:tr>
@@ -6939,7 +6999,7 @@
                 </a:tc>
                 <a:extLst>
                   <a:ext uri="{0D108BD9-81ED-4DB2-BD59-A6C34878D82A}">
-                    <a16:rowId xmlns:a16="http://schemas.microsoft.com/office/drawing/2014/main" xmlns="" val="10003"/>
+                    <a16:rowId xmlns:a16="http://schemas.microsoft.com/office/drawing/2014/main" val="10003"/>
                   </a:ext>
                 </a:extLst>
               </a:tr>
@@ -7075,7 +7135,7 @@
                 </a:tc>
                 <a:extLst>
                   <a:ext uri="{0D108BD9-81ED-4DB2-BD59-A6C34878D82A}">
-                    <a16:rowId xmlns:a16="http://schemas.microsoft.com/office/drawing/2014/main" xmlns="" val="10004"/>
+                    <a16:rowId xmlns:a16="http://schemas.microsoft.com/office/drawing/2014/main" val="10004"/>
                   </a:ext>
                 </a:extLst>
               </a:tr>

--- a/期末報告.pptx
+++ b/期末報告.pptx
@@ -4697,35 +4697,6 @@
           </a:p>
         </p:txBody>
       </p:sp>
-      <p:pic>
-        <p:nvPicPr>
-          <p:cNvPr id="5" name="內容版面配置區 4"/>
-          <p:cNvPicPr>
-            <a:picLocks noGrp="1" noChangeAspect="1"/>
-          </p:cNvPicPr>
-          <p:nvPr>
-            <p:ph idx="1"/>
-          </p:nvPr>
-        </p:nvPicPr>
-        <p:blipFill>
-          <a:blip r:embed="rId2">
-            <a:extLst>
-              <a:ext uri="{28A0092B-C50C-407E-A947-70E740481C1C}">
-                <a14:useLocalDpi xmlns:a14="http://schemas.microsoft.com/office/drawing/2010/main" val="0"/>
-              </a:ext>
-            </a:extLst>
-          </a:blip>
-          <a:stretch>
-            <a:fillRect/>
-          </a:stretch>
-        </p:blipFill>
-        <p:spPr>
-          <a:xfrm>
-            <a:off x="2874764" y="1600200"/>
-            <a:ext cx="3394472" cy="4525963"/>
-          </a:xfrm>
-        </p:spPr>
-      </p:pic>
       <p:sp>
         <p:nvSpPr>
           <p:cNvPr id="4" name="投影片編號版面配置區 3"/>
@@ -4788,7 +4759,7 @@
           <p:nvPr/>
         </p:nvPicPr>
         <p:blipFill>
-          <a:blip r:embed="rId3" cstate="print">
+          <a:blip r:embed="rId2" cstate="print">
             <a:extLst>
               <a:ext uri="{28A0092B-C50C-407E-A947-70E740481C1C}">
                 <a14:useLocalDpi xmlns:a14="http://schemas.microsoft.com/office/drawing/2010/main" val="0"/>
@@ -4807,6 +4778,35 @@
           <a:prstGeom prst="rect">
             <a:avLst/>
           </a:prstGeom>
+        </p:spPr>
+      </p:pic>
+      <p:pic>
+        <p:nvPicPr>
+          <p:cNvPr id="8" name="內容版面配置區 7"/>
+          <p:cNvPicPr>
+            <a:picLocks noGrp="1" noChangeAspect="1"/>
+          </p:cNvPicPr>
+          <p:nvPr>
+            <p:ph idx="1"/>
+          </p:nvPr>
+        </p:nvPicPr>
+        <p:blipFill>
+          <a:blip r:embed="rId3" cstate="print">
+            <a:extLst>
+              <a:ext uri="{28A0092B-C50C-407E-A947-70E740481C1C}">
+                <a14:useLocalDpi xmlns:a14="http://schemas.microsoft.com/office/drawing/2010/main" val="0"/>
+              </a:ext>
+            </a:extLst>
+          </a:blip>
+          <a:stretch>
+            <a:fillRect/>
+          </a:stretch>
+        </p:blipFill>
+        <p:spPr>
+          <a:xfrm>
+            <a:off x="3317143" y="1492366"/>
+            <a:ext cx="2545854" cy="4525963"/>
+          </a:xfrm>
         </p:spPr>
       </p:pic>
     </p:spTree>

--- a/期末報告.pptx
+++ b/期末報告.pptx
@@ -142,7 +142,7 @@
       </p14:sectionLst>
     </p:ext>
     <p:ext uri="{EFAFB233-063F-42B5-8137-9DF3F51BA10A}">
-      <p15:sldGuideLst xmlns:p15="http://schemas.microsoft.com/office/powerpoint/2012/main">
+      <p15:sldGuideLst xmlns:p15="http://schemas.microsoft.com/office/powerpoint/2012/main" xmlns="">
         <p15:guide id="1" orient="horz" pos="2160">
           <p15:clr>
             <a:srgbClr val="A4A3A4"/>
@@ -241,7 +241,7 @@
           <a:p>
             <a:fld id="{79DA35AD-BB2A-47BD-B433-277D90EAA9CE}" type="datetimeFigureOut">
               <a:rPr lang="zh-TW" altLang="en-US" smtClean="0"/>
-              <a:t>2018/6/20</a:t>
+              <a:t>2018/6/21</a:t>
             </a:fld>
             <a:endParaRPr lang="zh-TW" altLang="en-US"/>
           </a:p>
@@ -922,7 +922,7 @@
           <a:p>
             <a:fld id="{B04F5A03-1419-402A-B162-CEFAB1533DB3}" type="datetime1">
               <a:rPr lang="zh-TW" altLang="en-US" smtClean="0"/>
-              <a:t>2018/6/20</a:t>
+              <a:t>2018/6/21</a:t>
             </a:fld>
             <a:endParaRPr lang="zh-TW" altLang="en-US"/>
           </a:p>
@@ -1194,7 +1194,7 @@
           <a:p>
             <a:fld id="{C0DF51A9-4566-4E47-A151-62F55C4EFADB}" type="datetime1">
               <a:rPr lang="zh-TW" altLang="en-US" smtClean="0"/>
-              <a:t>2018/6/20</a:t>
+              <a:t>2018/6/21</a:t>
             </a:fld>
             <a:endParaRPr lang="zh-TW" altLang="en-US"/>
           </a:p>
@@ -1374,7 +1374,7 @@
           <a:p>
             <a:fld id="{48482AD2-58F3-480A-BFAF-C1A77D825973}" type="datetime1">
               <a:rPr lang="zh-TW" altLang="en-US" smtClean="0"/>
-              <a:t>2018/6/20</a:t>
+              <a:t>2018/6/21</a:t>
             </a:fld>
             <a:endParaRPr lang="zh-TW" altLang="en-US"/>
           </a:p>
@@ -1882,7 +1882,7 @@
           <a:p>
             <a:fld id="{2E3EE4C2-F13B-4688-81F3-9382D3D32E2D}" type="datetime1">
               <a:rPr lang="zh-TW" altLang="en-US" smtClean="0"/>
-              <a:t>2018/6/20</a:t>
+              <a:t>2018/6/21</a:t>
             </a:fld>
             <a:endParaRPr lang="zh-TW" altLang="en-US"/>
           </a:p>
@@ -2128,7 +2128,7 @@
           <a:p>
             <a:fld id="{B5BC7B5C-C663-4EA0-A269-67251B1AFB27}" type="datetime1">
               <a:rPr lang="zh-TW" altLang="en-US" smtClean="0"/>
-              <a:t>2018/6/20</a:t>
+              <a:t>2018/6/21</a:t>
             </a:fld>
             <a:endParaRPr lang="zh-TW" altLang="en-US"/>
           </a:p>
@@ -2416,7 +2416,7 @@
           <a:p>
             <a:fld id="{3120347C-65D6-4DAD-83AE-7260AD3C3BE8}" type="datetime1">
               <a:rPr lang="zh-TW" altLang="en-US" smtClean="0"/>
-              <a:t>2018/6/20</a:t>
+              <a:t>2018/6/21</a:t>
             </a:fld>
             <a:endParaRPr lang="zh-TW" altLang="en-US"/>
           </a:p>
@@ -2838,7 +2838,7 @@
           <a:p>
             <a:fld id="{D0679379-9653-4CA7-95F0-48A40C1E86D4}" type="datetime1">
               <a:rPr lang="zh-TW" altLang="en-US" smtClean="0"/>
-              <a:t>2018/6/20</a:t>
+              <a:t>2018/6/21</a:t>
             </a:fld>
             <a:endParaRPr lang="zh-TW" altLang="en-US"/>
           </a:p>
@@ -2956,7 +2956,7 @@
           <a:p>
             <a:fld id="{5D8B7C89-64EE-4765-8CD5-75D4CD1FB00A}" type="datetime1">
               <a:rPr lang="zh-TW" altLang="en-US" smtClean="0"/>
-              <a:t>2018/6/20</a:t>
+              <a:t>2018/6/21</a:t>
             </a:fld>
             <a:endParaRPr lang="zh-TW" altLang="en-US"/>
           </a:p>
@@ -3051,7 +3051,7 @@
           <a:p>
             <a:fld id="{74FD234D-624B-44C2-8EC9-1500C833C051}" type="datetime1">
               <a:rPr lang="zh-TW" altLang="en-US" smtClean="0"/>
-              <a:t>2018/6/20</a:t>
+              <a:t>2018/6/21</a:t>
             </a:fld>
             <a:endParaRPr lang="zh-TW" altLang="en-US"/>
           </a:p>
@@ -3328,7 +3328,7 @@
           <a:p>
             <a:fld id="{617B703B-70EE-4E52-A31E-872C6F436120}" type="datetime1">
               <a:rPr lang="zh-TW" altLang="en-US" smtClean="0"/>
-              <a:t>2018/6/20</a:t>
+              <a:t>2018/6/21</a:t>
             </a:fld>
             <a:endParaRPr lang="zh-TW" altLang="en-US"/>
           </a:p>
@@ -3585,7 +3585,7 @@
           <a:p>
             <a:fld id="{B5B4881C-EE7E-462C-BC6A-6E44353946DF}" type="datetime1">
               <a:rPr lang="zh-TW" altLang="en-US" smtClean="0"/>
-              <a:t>2018/6/20</a:t>
+              <a:t>2018/6/21</a:t>
             </a:fld>
             <a:endParaRPr lang="zh-TW" altLang="en-US"/>
           </a:p>
@@ -3798,7 +3798,7 @@
           <a:p>
             <a:fld id="{79615A5A-8730-4E58-B16F-0D0C7EB7AC7E}" type="datetime1">
               <a:rPr lang="zh-TW" altLang="en-US" smtClean="0"/>
-              <a:t>2018/6/20</a:t>
+              <a:t>2018/6/21</a:t>
             </a:fld>
             <a:endParaRPr lang="zh-TW" altLang="en-US"/>
           </a:p>
@@ -4586,7 +4586,27 @@
           <a:p>
             <a:r>
               <a:rPr lang="zh-TW" altLang="en-US" dirty="0" smtClean="0"/>
-              <a:t>點搜尋結果</a:t>
+              <a:t>點搜尋</a:t>
+            </a:r>
+            <a:r>
+              <a:rPr lang="zh-TW" altLang="en-US" dirty="0" smtClean="0"/>
+              <a:t>結果     </a:t>
+            </a:r>
+            <a:r>
+              <a:rPr lang="en-US" altLang="zh-TW" dirty="0" smtClean="0"/>
+              <a:t>||</a:t>
+            </a:r>
+            <a:r>
+              <a:rPr lang="zh-TW" altLang="en-US" dirty="0" smtClean="0"/>
+              <a:t>       </a:t>
+            </a:r>
+            <a:r>
+              <a:rPr lang="zh-TW" altLang="en-US" dirty="0" smtClean="0"/>
+              <a:t>長</a:t>
+            </a:r>
+            <a:r>
+              <a:rPr lang="zh-TW" altLang="en-US" dirty="0"/>
+              <a:t>按</a:t>
             </a:r>
             <a:endParaRPr lang="zh-TW" altLang="en-US" dirty="0"/>
           </a:p>
@@ -4616,7 +4636,7 @@
         </p:blipFill>
         <p:spPr>
           <a:xfrm>
-            <a:off x="3203848" y="1576732"/>
+            <a:off x="1619672" y="1556792"/>
             <a:ext cx="2688691" cy="4779896"/>
           </a:xfrm>
         </p:spPr>
@@ -5988,42 +6008,42 @@
                 <a:gridCol w="1257354">
                   <a:extLst>
                     <a:ext uri="{9D8B030D-6E8A-4147-A177-3AD203B41FA5}">
-                      <a16:colId xmlns:a16="http://schemas.microsoft.com/office/drawing/2014/main" val="20000"/>
+                      <a16:colId xmlns:a16="http://schemas.microsoft.com/office/drawing/2014/main" xmlns="" val="20000"/>
                     </a:ext>
                   </a:extLst>
                 </a:gridCol>
                 <a:gridCol w="1325429">
                   <a:extLst>
                     <a:ext uri="{9D8B030D-6E8A-4147-A177-3AD203B41FA5}">
-                      <a16:colId xmlns:a16="http://schemas.microsoft.com/office/drawing/2014/main" val="20001"/>
+                      <a16:colId xmlns:a16="http://schemas.microsoft.com/office/drawing/2014/main" xmlns="" val="20001"/>
                     </a:ext>
                   </a:extLst>
                 </a:gridCol>
                 <a:gridCol w="1325429">
                   <a:extLst>
                     <a:ext uri="{9D8B030D-6E8A-4147-A177-3AD203B41FA5}">
-                      <a16:colId xmlns:a16="http://schemas.microsoft.com/office/drawing/2014/main" val="20002"/>
+                      <a16:colId xmlns:a16="http://schemas.microsoft.com/office/drawing/2014/main" xmlns="" val="20002"/>
                     </a:ext>
                   </a:extLst>
                 </a:gridCol>
                 <a:gridCol w="1325429">
                   <a:extLst>
                     <a:ext uri="{9D8B030D-6E8A-4147-A177-3AD203B41FA5}">
-                      <a16:colId xmlns:a16="http://schemas.microsoft.com/office/drawing/2014/main" val="20003"/>
+                      <a16:colId xmlns:a16="http://schemas.microsoft.com/office/drawing/2014/main" xmlns="" val="20003"/>
                     </a:ext>
                   </a:extLst>
                 </a:gridCol>
                 <a:gridCol w="1325429">
                   <a:extLst>
                     <a:ext uri="{9D8B030D-6E8A-4147-A177-3AD203B41FA5}">
-                      <a16:colId xmlns:a16="http://schemas.microsoft.com/office/drawing/2014/main" val="20004"/>
+                      <a16:colId xmlns:a16="http://schemas.microsoft.com/office/drawing/2014/main" xmlns="" val="20004"/>
                     </a:ext>
                   </a:extLst>
                 </a:gridCol>
                 <a:gridCol w="1325429">
                   <a:extLst>
                     <a:ext uri="{9D8B030D-6E8A-4147-A177-3AD203B41FA5}">
-                      <a16:colId xmlns:a16="http://schemas.microsoft.com/office/drawing/2014/main" val="20005"/>
+                      <a16:colId xmlns:a16="http://schemas.microsoft.com/office/drawing/2014/main" xmlns="" val="20005"/>
                     </a:ext>
                   </a:extLst>
                 </a:gridCol>
@@ -6195,7 +6215,7 @@
                 </a:tc>
                 <a:extLst>
                   <a:ext uri="{0D108BD9-81ED-4DB2-BD59-A6C34878D82A}">
-                    <a16:rowId xmlns:a16="http://schemas.microsoft.com/office/drawing/2014/main" val="10000"/>
+                    <a16:rowId xmlns:a16="http://schemas.microsoft.com/office/drawing/2014/main" xmlns="" val="10000"/>
                   </a:ext>
                 </a:extLst>
               </a:tr>
@@ -6607,7 +6627,7 @@
                 </a:tc>
                 <a:extLst>
                   <a:ext uri="{0D108BD9-81ED-4DB2-BD59-A6C34878D82A}">
-                    <a16:rowId xmlns:a16="http://schemas.microsoft.com/office/drawing/2014/main" val="10001"/>
+                    <a16:rowId xmlns:a16="http://schemas.microsoft.com/office/drawing/2014/main" xmlns="" val="10001"/>
                   </a:ext>
                 </a:extLst>
               </a:tr>
@@ -6838,7 +6858,7 @@
                 </a:tc>
                 <a:extLst>
                   <a:ext uri="{0D108BD9-81ED-4DB2-BD59-A6C34878D82A}">
-                    <a16:rowId xmlns:a16="http://schemas.microsoft.com/office/drawing/2014/main" val="10002"/>
+                    <a16:rowId xmlns:a16="http://schemas.microsoft.com/office/drawing/2014/main" xmlns="" val="10002"/>
                   </a:ext>
                 </a:extLst>
               </a:tr>
@@ -6999,7 +7019,7 @@
                 </a:tc>
                 <a:extLst>
                   <a:ext uri="{0D108BD9-81ED-4DB2-BD59-A6C34878D82A}">
-                    <a16:rowId xmlns:a16="http://schemas.microsoft.com/office/drawing/2014/main" val="10003"/>
+                    <a16:rowId xmlns:a16="http://schemas.microsoft.com/office/drawing/2014/main" xmlns="" val="10003"/>
                   </a:ext>
                 </a:extLst>
               </a:tr>
@@ -7135,7 +7155,7 @@
                 </a:tc>
                 <a:extLst>
                   <a:ext uri="{0D108BD9-81ED-4DB2-BD59-A6C34878D82A}">
-                    <a16:rowId xmlns:a16="http://schemas.microsoft.com/office/drawing/2014/main" val="10004"/>
+                    <a16:rowId xmlns:a16="http://schemas.microsoft.com/office/drawing/2014/main" xmlns="" val="10004"/>
                   </a:ext>
                 </a:extLst>
               </a:tr>

--- a/期末報告.pptx
+++ b/期末報告.pptx
@@ -142,7 +142,7 @@
       </p14:sectionLst>
     </p:ext>
     <p:ext uri="{EFAFB233-063F-42B5-8137-9DF3F51BA10A}">
-      <p15:sldGuideLst xmlns:p15="http://schemas.microsoft.com/office/powerpoint/2012/main" xmlns="">
+      <p15:sldGuideLst xmlns="" xmlns:p15="http://schemas.microsoft.com/office/powerpoint/2012/main">
         <p15:guide id="1" orient="horz" pos="2160">
           <p15:clr>
             <a:srgbClr val="A4A3A4"/>
@@ -4579,36 +4579,36 @@
             <p:ph type="title"/>
           </p:nvPr>
         </p:nvSpPr>
-        <p:spPr/>
+        <p:spPr>
+          <a:xfrm>
+            <a:off x="179512" y="687834"/>
+            <a:ext cx="8229600" cy="796950"/>
+          </a:xfrm>
+        </p:spPr>
         <p:txBody>
           <a:bodyPr/>
           <a:lstStyle/>
           <a:p>
             <a:r>
               <a:rPr lang="zh-TW" altLang="en-US" dirty="0" smtClean="0"/>
-              <a:t>點搜尋</a:t>
+              <a:t>點搜尋結果    </a:t>
+            </a:r>
+            <a:r>
+              <a:rPr lang="zh-TW" altLang="en-US" dirty="0"/>
+              <a:t> </a:t>
             </a:r>
             <a:r>
               <a:rPr lang="zh-TW" altLang="en-US" dirty="0" smtClean="0"/>
-              <a:t>結果     </a:t>
-            </a:r>
-            <a:r>
-              <a:rPr lang="en-US" altLang="zh-TW" dirty="0" smtClean="0"/>
-              <a:t>||</a:t>
+              <a:t> </a:t>
             </a:r>
             <a:r>
               <a:rPr lang="zh-TW" altLang="en-US" dirty="0" smtClean="0"/>
-              <a:t>       </a:t>
-            </a:r>
-            <a:r>
-              <a:rPr lang="zh-TW" altLang="en-US" dirty="0" smtClean="0"/>
-              <a:t>長</a:t>
+              <a:t>         長</a:t>
             </a:r>
             <a:r>
               <a:rPr lang="zh-TW" altLang="en-US" dirty="0"/>
               <a:t>按</a:t>
             </a:r>
-            <a:endParaRPr lang="zh-TW" altLang="en-US" dirty="0"/>
           </a:p>
         </p:txBody>
       </p:sp>
@@ -4636,7 +4636,7 @@
         </p:blipFill>
         <p:spPr>
           <a:xfrm>
-            <a:off x="1619672" y="1556792"/>
+            <a:off x="1115616" y="1565420"/>
             <a:ext cx="2688691" cy="4779896"/>
           </a:xfrm>
         </p:spPr>
@@ -4664,6 +4664,36 @@
           </a:p>
         </p:txBody>
       </p:sp>
+      <p:pic>
+        <p:nvPicPr>
+          <p:cNvPr id="3" name="圖片 2"/>
+          <p:cNvPicPr>
+            <a:picLocks noChangeAspect="1"/>
+          </p:cNvPicPr>
+          <p:nvPr/>
+        </p:nvPicPr>
+        <p:blipFill>
+          <a:blip r:embed="rId3" cstate="print">
+            <a:extLst>
+              <a:ext uri="{28A0092B-C50C-407E-A947-70E740481C1C}">
+                <a14:useLocalDpi xmlns:a14="http://schemas.microsoft.com/office/drawing/2010/main" val="0"/>
+              </a:ext>
+            </a:extLst>
+          </a:blip>
+          <a:stretch>
+            <a:fillRect/>
+          </a:stretch>
+        </p:blipFill>
+        <p:spPr>
+          <a:xfrm>
+            <a:off x="5508104" y="1484784"/>
+            <a:ext cx="2779407" cy="4941168"/>
+          </a:xfrm>
+          <a:prstGeom prst="rect">
+            <a:avLst/>
+          </a:prstGeom>
+        </p:spPr>
+      </p:pic>
     </p:spTree>
     <p:extLst>
       <p:ext uri="{BB962C8B-B14F-4D97-AF65-F5344CB8AC3E}">
@@ -6008,42 +6038,42 @@
                 <a:gridCol w="1257354">
                   <a:extLst>
                     <a:ext uri="{9D8B030D-6E8A-4147-A177-3AD203B41FA5}">
-                      <a16:colId xmlns:a16="http://schemas.microsoft.com/office/drawing/2014/main" xmlns="" val="20000"/>
+                      <a16:colId xmlns="" xmlns:a16="http://schemas.microsoft.com/office/drawing/2014/main" val="20000"/>
                     </a:ext>
                   </a:extLst>
                 </a:gridCol>
                 <a:gridCol w="1325429">
                   <a:extLst>
                     <a:ext uri="{9D8B030D-6E8A-4147-A177-3AD203B41FA5}">
-                      <a16:colId xmlns:a16="http://schemas.microsoft.com/office/drawing/2014/main" xmlns="" val="20001"/>
+                      <a16:colId xmlns="" xmlns:a16="http://schemas.microsoft.com/office/drawing/2014/main" val="20001"/>
                     </a:ext>
                   </a:extLst>
                 </a:gridCol>
                 <a:gridCol w="1325429">
                   <a:extLst>
                     <a:ext uri="{9D8B030D-6E8A-4147-A177-3AD203B41FA5}">
-                      <a16:colId xmlns:a16="http://schemas.microsoft.com/office/drawing/2014/main" xmlns="" val="20002"/>
+                      <a16:colId xmlns="" xmlns:a16="http://schemas.microsoft.com/office/drawing/2014/main" val="20002"/>
                     </a:ext>
                   </a:extLst>
                 </a:gridCol>
                 <a:gridCol w="1325429">
                   <a:extLst>
                     <a:ext uri="{9D8B030D-6E8A-4147-A177-3AD203B41FA5}">
-                      <a16:colId xmlns:a16="http://schemas.microsoft.com/office/drawing/2014/main" xmlns="" val="20003"/>
+                      <a16:colId xmlns="" xmlns:a16="http://schemas.microsoft.com/office/drawing/2014/main" val="20003"/>
                     </a:ext>
                   </a:extLst>
                 </a:gridCol>
                 <a:gridCol w="1325429">
                   <a:extLst>
                     <a:ext uri="{9D8B030D-6E8A-4147-A177-3AD203B41FA5}">
-                      <a16:colId xmlns:a16="http://schemas.microsoft.com/office/drawing/2014/main" xmlns="" val="20004"/>
+                      <a16:colId xmlns="" xmlns:a16="http://schemas.microsoft.com/office/drawing/2014/main" val="20004"/>
                     </a:ext>
                   </a:extLst>
                 </a:gridCol>
                 <a:gridCol w="1325429">
                   <a:extLst>
                     <a:ext uri="{9D8B030D-6E8A-4147-A177-3AD203B41FA5}">
-                      <a16:colId xmlns:a16="http://schemas.microsoft.com/office/drawing/2014/main" xmlns="" val="20005"/>
+                      <a16:colId xmlns="" xmlns:a16="http://schemas.microsoft.com/office/drawing/2014/main" val="20005"/>
                     </a:ext>
                   </a:extLst>
                 </a:gridCol>
@@ -6215,7 +6245,7 @@
                 </a:tc>
                 <a:extLst>
                   <a:ext uri="{0D108BD9-81ED-4DB2-BD59-A6C34878D82A}">
-                    <a16:rowId xmlns:a16="http://schemas.microsoft.com/office/drawing/2014/main" xmlns="" val="10000"/>
+                    <a16:rowId xmlns="" xmlns:a16="http://schemas.microsoft.com/office/drawing/2014/main" val="10000"/>
                   </a:ext>
                 </a:extLst>
               </a:tr>
@@ -6627,7 +6657,7 @@
                 </a:tc>
                 <a:extLst>
                   <a:ext uri="{0D108BD9-81ED-4DB2-BD59-A6C34878D82A}">
-                    <a16:rowId xmlns:a16="http://schemas.microsoft.com/office/drawing/2014/main" xmlns="" val="10001"/>
+                    <a16:rowId xmlns="" xmlns:a16="http://schemas.microsoft.com/office/drawing/2014/main" val="10001"/>
                   </a:ext>
                 </a:extLst>
               </a:tr>
@@ -6858,7 +6888,7 @@
                 </a:tc>
                 <a:extLst>
                   <a:ext uri="{0D108BD9-81ED-4DB2-BD59-A6C34878D82A}">
-                    <a16:rowId xmlns:a16="http://schemas.microsoft.com/office/drawing/2014/main" xmlns="" val="10002"/>
+                    <a16:rowId xmlns="" xmlns:a16="http://schemas.microsoft.com/office/drawing/2014/main" val="10002"/>
                   </a:ext>
                 </a:extLst>
               </a:tr>
@@ -7019,7 +7049,7 @@
                 </a:tc>
                 <a:extLst>
                   <a:ext uri="{0D108BD9-81ED-4DB2-BD59-A6C34878D82A}">
-                    <a16:rowId xmlns:a16="http://schemas.microsoft.com/office/drawing/2014/main" xmlns="" val="10003"/>
+                    <a16:rowId xmlns="" xmlns:a16="http://schemas.microsoft.com/office/drawing/2014/main" val="10003"/>
                   </a:ext>
                 </a:extLst>
               </a:tr>
@@ -7155,7 +7185,7 @@
                 </a:tc>
                 <a:extLst>
                   <a:ext uri="{0D108BD9-81ED-4DB2-BD59-A6C34878D82A}">
-                    <a16:rowId xmlns:a16="http://schemas.microsoft.com/office/drawing/2014/main" xmlns="" val="10004"/>
+                    <a16:rowId xmlns="" xmlns:a16="http://schemas.microsoft.com/office/drawing/2014/main" val="10004"/>
                   </a:ext>
                 </a:extLst>
               </a:tr>

--- a/期末報告.pptx
+++ b/期末報告.pptx
@@ -5,7 +5,7 @@
     <p:sldMasterId id="2147483660" r:id="rId1"/>
   </p:sldMasterIdLst>
   <p:notesMasterIdLst>
-    <p:notesMasterId r:id="rId15"/>
+    <p:notesMasterId r:id="rId16"/>
   </p:notesMasterIdLst>
   <p:sldIdLst>
     <p:sldId id="257" r:id="rId2"/>
@@ -16,11 +16,12 @@
     <p:sldId id="265" r:id="rId7"/>
     <p:sldId id="266" r:id="rId8"/>
     <p:sldId id="261" r:id="rId9"/>
-    <p:sldId id="268" r:id="rId10"/>
-    <p:sldId id="262" r:id="rId11"/>
-    <p:sldId id="271" r:id="rId12"/>
-    <p:sldId id="269" r:id="rId13"/>
-    <p:sldId id="270" r:id="rId14"/>
+    <p:sldId id="273" r:id="rId10"/>
+    <p:sldId id="268" r:id="rId11"/>
+    <p:sldId id="262" r:id="rId12"/>
+    <p:sldId id="271" r:id="rId13"/>
+    <p:sldId id="269" r:id="rId14"/>
+    <p:sldId id="270" r:id="rId15"/>
   </p:sldIdLst>
   <p:sldSz cx="9144000" cy="6858000" type="screen4x3"/>
   <p:notesSz cx="6858000" cy="9144000"/>
@@ -132,6 +133,7 @@
             <p14:sldId id="265"/>
             <p14:sldId id="266"/>
             <p14:sldId id="261"/>
+            <p14:sldId id="273"/>
             <p14:sldId id="268"/>
             <p14:sldId id="262"/>
             <p14:sldId id="271"/>
@@ -142,7 +144,7 @@
       </p14:sectionLst>
     </p:ext>
     <p:ext uri="{EFAFB233-063F-42B5-8137-9DF3F51BA10A}">
-      <p15:sldGuideLst xmlns="" xmlns:p15="http://schemas.microsoft.com/office/powerpoint/2012/main">
+      <p15:sldGuideLst xmlns:p15="http://schemas.microsoft.com/office/powerpoint/2012/main" xmlns="">
         <p15:guide id="1" orient="horz" pos="2160">
           <p15:clr>
             <a:srgbClr val="A4A3A4"/>
@@ -4420,6 +4422,146 @@
           <a:lstStyle/>
           <a:p>
             <a:r>
+              <a:rPr lang="en-US" altLang="zh-TW" dirty="0" smtClean="0"/>
+              <a:t>App</a:t>
+            </a:r>
+            <a:r>
+              <a:rPr lang="zh-TW" altLang="en-US" dirty="0" smtClean="0"/>
+              <a:t>封面</a:t>
+            </a:r>
+            <a:endParaRPr lang="zh-TW" altLang="en-US" dirty="0"/>
+          </a:p>
+        </p:txBody>
+      </p:sp>
+      <p:sp>
+        <p:nvSpPr>
+          <p:cNvPr id="4" name="投影片編號版面配置區 3"/>
+          <p:cNvSpPr>
+            <a:spLocks noGrp="1"/>
+          </p:cNvSpPr>
+          <p:nvPr>
+            <p:ph type="sldNum" sz="quarter" idx="12"/>
+          </p:nvPr>
+        </p:nvSpPr>
+        <p:spPr/>
+        <p:txBody>
+          <a:bodyPr/>
+          <a:lstStyle/>
+          <a:p>
+            <a:fld id="{C21CE693-C94F-4D51-9A09-64D673C470EB}" type="slidenum">
+              <a:rPr lang="zh-TW" altLang="en-US" smtClean="0"/>
+              <a:t>10</a:t>
+            </a:fld>
+            <a:endParaRPr lang="zh-TW" altLang="en-US"/>
+          </a:p>
+        </p:txBody>
+      </p:sp>
+      <p:pic>
+        <p:nvPicPr>
+          <p:cNvPr id="7" name="圖片 6"/>
+          <p:cNvPicPr>
+            <a:picLocks noChangeAspect="1"/>
+          </p:cNvPicPr>
+          <p:nvPr/>
+        </p:nvPicPr>
+        <p:blipFill>
+          <a:blip r:embed="rId2" cstate="print">
+            <a:extLst>
+              <a:ext uri="{28A0092B-C50C-407E-A947-70E740481C1C}">
+                <a14:useLocalDpi xmlns:a14="http://schemas.microsoft.com/office/drawing/2010/main" val="0"/>
+              </a:ext>
+            </a:extLst>
+          </a:blip>
+          <a:stretch>
+            <a:fillRect/>
+          </a:stretch>
+        </p:blipFill>
+        <p:spPr>
+          <a:xfrm>
+            <a:off x="1115616" y="1628289"/>
+            <a:ext cx="2819912" cy="5013176"/>
+          </a:xfrm>
+          <a:prstGeom prst="rect">
+            <a:avLst/>
+          </a:prstGeom>
+        </p:spPr>
+      </p:pic>
+      <p:pic>
+        <p:nvPicPr>
+          <p:cNvPr id="8" name="圖片 7"/>
+          <p:cNvPicPr>
+            <a:picLocks noChangeAspect="1"/>
+          </p:cNvPicPr>
+          <p:nvPr/>
+        </p:nvPicPr>
+        <p:blipFill>
+          <a:blip r:embed="rId3" cstate="print">
+            <a:extLst>
+              <a:ext uri="{28A0092B-C50C-407E-A947-70E740481C1C}">
+                <a14:useLocalDpi xmlns:a14="http://schemas.microsoft.com/office/drawing/2010/main" val="0"/>
+              </a:ext>
+            </a:extLst>
+          </a:blip>
+          <a:stretch>
+            <a:fillRect/>
+          </a:stretch>
+        </p:blipFill>
+        <p:spPr>
+          <a:xfrm>
+            <a:off x="5120741" y="1628289"/>
+            <a:ext cx="2864917" cy="5093186"/>
+          </a:xfrm>
+          <a:prstGeom prst="rect">
+            <a:avLst/>
+          </a:prstGeom>
+        </p:spPr>
+      </p:pic>
+    </p:spTree>
+    <p:extLst>
+      <p:ext uri="{BB962C8B-B14F-4D97-AF65-F5344CB8AC3E}">
+        <p14:creationId xmlns:p14="http://schemas.microsoft.com/office/powerpoint/2010/main" val="209610002"/>
+      </p:ext>
+    </p:extLst>
+  </p:cSld>
+  <p:clrMapOvr>
+    <a:masterClrMapping/>
+  </p:clrMapOvr>
+</p:sld>
+</file>
+
+<file path=ppt/slides/slide11.xml><?xml version="1.0" encoding="utf-8"?>
+<p:sld xmlns:a="http://schemas.openxmlformats.org/drawingml/2006/main" xmlns:r="http://schemas.openxmlformats.org/officeDocument/2006/relationships" xmlns:p="http://schemas.openxmlformats.org/presentationml/2006/main">
+  <p:cSld>
+    <p:spTree>
+      <p:nvGrpSpPr>
+        <p:cNvPr id="1" name=""/>
+        <p:cNvGrpSpPr/>
+        <p:nvPr/>
+      </p:nvGrpSpPr>
+      <p:grpSpPr>
+        <a:xfrm>
+          <a:off x="0" y="0"/>
+          <a:ext cx="0" cy="0"/>
+          <a:chOff x="0" y="0"/>
+          <a:chExt cx="0" cy="0"/>
+        </a:xfrm>
+      </p:grpSpPr>
+      <p:sp>
+        <p:nvSpPr>
+          <p:cNvPr id="2" name="標題 1"/>
+          <p:cNvSpPr>
+            <a:spLocks noGrp="1"/>
+          </p:cNvSpPr>
+          <p:nvPr>
+            <p:ph type="title"/>
+          </p:nvPr>
+        </p:nvSpPr>
+        <p:spPr/>
+        <p:txBody>
+          <a:bodyPr/>
+          <a:lstStyle/>
+          <a:p>
+            <a:r>
               <a:rPr lang="zh-TW" altLang="en-US" dirty="0" smtClean="0"/>
               <a:t>點搜尋</a:t>
             </a:r>
@@ -4444,7 +4586,7 @@
           <a:p>
             <a:fld id="{C21CE693-C94F-4D51-9A09-64D673C470EB}" type="slidenum">
               <a:rPr lang="zh-TW" altLang="en-US" smtClean="0"/>
-              <a:t>10</a:t>
+              <a:t>11</a:t>
             </a:fld>
             <a:endParaRPr lang="zh-TW" altLang="en-US"/>
           </a:p>
@@ -4552,7 +4694,7 @@
 </p:sld>
 </file>
 
-<file path=ppt/slides/slide11.xml><?xml version="1.0" encoding="utf-8"?>
+<file path=ppt/slides/slide12.xml><?xml version="1.0" encoding="utf-8"?>
 <p:sld xmlns:a="http://schemas.openxmlformats.org/drawingml/2006/main" xmlns:r="http://schemas.openxmlformats.org/officeDocument/2006/relationships" xmlns:p="http://schemas.openxmlformats.org/presentationml/2006/main">
   <p:cSld>
     <p:spTree>
@@ -4599,11 +4741,7 @@
             </a:r>
             <a:r>
               <a:rPr lang="zh-TW" altLang="en-US" dirty="0" smtClean="0"/>
-              <a:t> </a:t>
-            </a:r>
-            <a:r>
-              <a:rPr lang="zh-TW" altLang="en-US" dirty="0" smtClean="0"/>
-              <a:t>         長</a:t>
+              <a:t>          長</a:t>
             </a:r>
             <a:r>
               <a:rPr lang="zh-TW" altLang="en-US" dirty="0"/>
@@ -4658,7 +4796,7 @@
           <a:p>
             <a:fld id="{C21CE693-C94F-4D51-9A09-64D673C470EB}" type="slidenum">
               <a:rPr lang="zh-TW" altLang="en-US" smtClean="0"/>
-              <a:t>11</a:t>
+              <a:t>12</a:t>
             </a:fld>
             <a:endParaRPr lang="zh-TW" altLang="en-US"/>
           </a:p>
@@ -4707,7 +4845,7 @@
 </p:sld>
 </file>
 
-<file path=ppt/slides/slide12.xml><?xml version="1.0" encoding="utf-8"?>
+<file path=ppt/slides/slide13.xml><?xml version="1.0" encoding="utf-8"?>
 <p:sld xmlns:a="http://schemas.openxmlformats.org/drawingml/2006/main" xmlns:r="http://schemas.openxmlformats.org/officeDocument/2006/relationships" xmlns:p="http://schemas.openxmlformats.org/presentationml/2006/main">
   <p:cSld>
     <p:spTree>
@@ -4764,7 +4902,7 @@
           <a:p>
             <a:fld id="{C21CE693-C94F-4D51-9A09-64D673C470EB}" type="slidenum">
               <a:rPr lang="zh-TW" altLang="en-US" smtClean="0"/>
-              <a:t>12</a:t>
+              <a:t>13</a:t>
             </a:fld>
             <a:endParaRPr lang="zh-TW" altLang="en-US"/>
           </a:p>
@@ -4872,7 +5010,7 @@
 </p:sld>
 </file>
 
-<file path=ppt/slides/slide13.xml><?xml version="1.0" encoding="utf-8"?>
+<file path=ppt/slides/slide14.xml><?xml version="1.0" encoding="utf-8"?>
 <p:sld xmlns:a="http://schemas.openxmlformats.org/drawingml/2006/main" xmlns:r="http://schemas.openxmlformats.org/officeDocument/2006/relationships" xmlns:p="http://schemas.openxmlformats.org/presentationml/2006/main">
   <p:cSld>
     <p:spTree>
@@ -4929,7 +5067,7 @@
           <a:p>
             <a:fld id="{C21CE693-C94F-4D51-9A09-64D673C470EB}" type="slidenum">
               <a:rPr lang="zh-TW" altLang="en-US" smtClean="0"/>
-              <a:t>13</a:t>
+              <a:t>14</a:t>
             </a:fld>
             <a:endParaRPr lang="zh-TW" altLang="en-US"/>
           </a:p>
@@ -6038,42 +6176,42 @@
                 <a:gridCol w="1257354">
                   <a:extLst>
                     <a:ext uri="{9D8B030D-6E8A-4147-A177-3AD203B41FA5}">
-                      <a16:colId xmlns="" xmlns:a16="http://schemas.microsoft.com/office/drawing/2014/main" val="20000"/>
+                      <a16:colId xmlns:a16="http://schemas.microsoft.com/office/drawing/2014/main" xmlns="" val="20000"/>
                     </a:ext>
                   </a:extLst>
                 </a:gridCol>
                 <a:gridCol w="1325429">
                   <a:extLst>
                     <a:ext uri="{9D8B030D-6E8A-4147-A177-3AD203B41FA5}">
-                      <a16:colId xmlns="" xmlns:a16="http://schemas.microsoft.com/office/drawing/2014/main" val="20001"/>
+                      <a16:colId xmlns:a16="http://schemas.microsoft.com/office/drawing/2014/main" xmlns="" val="20001"/>
                     </a:ext>
                   </a:extLst>
                 </a:gridCol>
                 <a:gridCol w="1325429">
                   <a:extLst>
                     <a:ext uri="{9D8B030D-6E8A-4147-A177-3AD203B41FA5}">
-                      <a16:colId xmlns="" xmlns:a16="http://schemas.microsoft.com/office/drawing/2014/main" val="20002"/>
+                      <a16:colId xmlns:a16="http://schemas.microsoft.com/office/drawing/2014/main" xmlns="" val="20002"/>
                     </a:ext>
                   </a:extLst>
                 </a:gridCol>
                 <a:gridCol w="1325429">
                   <a:extLst>
                     <a:ext uri="{9D8B030D-6E8A-4147-A177-3AD203B41FA5}">
-                      <a16:colId xmlns="" xmlns:a16="http://schemas.microsoft.com/office/drawing/2014/main" val="20003"/>
+                      <a16:colId xmlns:a16="http://schemas.microsoft.com/office/drawing/2014/main" xmlns="" val="20003"/>
                     </a:ext>
                   </a:extLst>
                 </a:gridCol>
                 <a:gridCol w="1325429">
                   <a:extLst>
                     <a:ext uri="{9D8B030D-6E8A-4147-A177-3AD203B41FA5}">
-                      <a16:colId xmlns="" xmlns:a16="http://schemas.microsoft.com/office/drawing/2014/main" val="20004"/>
+                      <a16:colId xmlns:a16="http://schemas.microsoft.com/office/drawing/2014/main" xmlns="" val="20004"/>
                     </a:ext>
                   </a:extLst>
                 </a:gridCol>
                 <a:gridCol w="1325429">
                   <a:extLst>
                     <a:ext uri="{9D8B030D-6E8A-4147-A177-3AD203B41FA5}">
-                      <a16:colId xmlns="" xmlns:a16="http://schemas.microsoft.com/office/drawing/2014/main" val="20005"/>
+                      <a16:colId xmlns:a16="http://schemas.microsoft.com/office/drawing/2014/main" xmlns="" val="20005"/>
                     </a:ext>
                   </a:extLst>
                 </a:gridCol>
@@ -6245,7 +6383,7 @@
                 </a:tc>
                 <a:extLst>
                   <a:ext uri="{0D108BD9-81ED-4DB2-BD59-A6C34878D82A}">
-                    <a16:rowId xmlns="" xmlns:a16="http://schemas.microsoft.com/office/drawing/2014/main" val="10000"/>
+                    <a16:rowId xmlns:a16="http://schemas.microsoft.com/office/drawing/2014/main" xmlns="" val="10000"/>
                   </a:ext>
                 </a:extLst>
               </a:tr>
@@ -6657,7 +6795,7 @@
                 </a:tc>
                 <a:extLst>
                   <a:ext uri="{0D108BD9-81ED-4DB2-BD59-A6C34878D82A}">
-                    <a16:rowId xmlns="" xmlns:a16="http://schemas.microsoft.com/office/drawing/2014/main" val="10001"/>
+                    <a16:rowId xmlns:a16="http://schemas.microsoft.com/office/drawing/2014/main" xmlns="" val="10001"/>
                   </a:ext>
                 </a:extLst>
               </a:tr>
@@ -6888,7 +7026,7 @@
                 </a:tc>
                 <a:extLst>
                   <a:ext uri="{0D108BD9-81ED-4DB2-BD59-A6C34878D82A}">
-                    <a16:rowId xmlns="" xmlns:a16="http://schemas.microsoft.com/office/drawing/2014/main" val="10002"/>
+                    <a16:rowId xmlns:a16="http://schemas.microsoft.com/office/drawing/2014/main" xmlns="" val="10002"/>
                   </a:ext>
                 </a:extLst>
               </a:tr>
@@ -7049,7 +7187,7 @@
                 </a:tc>
                 <a:extLst>
                   <a:ext uri="{0D108BD9-81ED-4DB2-BD59-A6C34878D82A}">
-                    <a16:rowId xmlns="" xmlns:a16="http://schemas.microsoft.com/office/drawing/2014/main" val="10003"/>
+                    <a16:rowId xmlns:a16="http://schemas.microsoft.com/office/drawing/2014/main" xmlns="" val="10003"/>
                   </a:ext>
                 </a:extLst>
               </a:tr>
@@ -7185,7 +7323,7 @@
                 </a:tc>
                 <a:extLst>
                   <a:ext uri="{0D108BD9-81ED-4DB2-BD59-A6C34878D82A}">
-                    <a16:rowId xmlns="" xmlns:a16="http://schemas.microsoft.com/office/drawing/2014/main" val="10004"/>
+                    <a16:rowId xmlns:a16="http://schemas.microsoft.com/office/drawing/2014/main" xmlns="" val="10004"/>
                   </a:ext>
                 </a:extLst>
               </a:tr>
@@ -7243,11 +7381,34 @@
           <a:p>
             <a:r>
               <a:rPr lang="en-US" altLang="zh-TW" dirty="0" smtClean="0"/>
-              <a:t>App</a:t>
-            </a:r>
-            <a:r>
-              <a:rPr lang="zh-TW" altLang="en-US" dirty="0" smtClean="0"/>
-              <a:t>封面</a:t>
+              <a:t>GitHub </a:t>
+            </a:r>
+            <a:r>
+              <a:rPr lang="en-US" altLang="zh-TW" dirty="0" err="1" smtClean="0"/>
+              <a:t>Repostory</a:t>
+            </a:r>
+            <a:endParaRPr lang="zh-TW" altLang="en-US" dirty="0"/>
+          </a:p>
+        </p:txBody>
+      </p:sp>
+      <p:sp>
+        <p:nvSpPr>
+          <p:cNvPr id="3" name="內容版面配置區 2"/>
+          <p:cNvSpPr>
+            <a:spLocks noGrp="1"/>
+          </p:cNvSpPr>
+          <p:nvPr>
+            <p:ph idx="1"/>
+          </p:nvPr>
+        </p:nvSpPr>
+        <p:spPr/>
+        <p:txBody>
+          <a:bodyPr/>
+          <a:lstStyle/>
+          <a:p>
+            <a:r>
+              <a:rPr lang="en-US" altLang="zh-TW" dirty="0"/>
+              <a:t>https://github.com/hoho870515/android</a:t>
             </a:r>
             <a:endParaRPr lang="zh-TW" altLang="en-US" dirty="0"/>
           </a:p>
@@ -7276,70 +7437,10 @@
           </a:p>
         </p:txBody>
       </p:sp>
-      <p:pic>
-        <p:nvPicPr>
-          <p:cNvPr id="7" name="圖片 6"/>
-          <p:cNvPicPr>
-            <a:picLocks noChangeAspect="1"/>
-          </p:cNvPicPr>
-          <p:nvPr/>
-        </p:nvPicPr>
-        <p:blipFill>
-          <a:blip r:embed="rId2" cstate="print">
-            <a:extLst>
-              <a:ext uri="{28A0092B-C50C-407E-A947-70E740481C1C}">
-                <a14:useLocalDpi xmlns:a14="http://schemas.microsoft.com/office/drawing/2010/main" val="0"/>
-              </a:ext>
-            </a:extLst>
-          </a:blip>
-          <a:stretch>
-            <a:fillRect/>
-          </a:stretch>
-        </p:blipFill>
-        <p:spPr>
-          <a:xfrm>
-            <a:off x="1115616" y="1628289"/>
-            <a:ext cx="2819912" cy="5013176"/>
-          </a:xfrm>
-          <a:prstGeom prst="rect">
-            <a:avLst/>
-          </a:prstGeom>
-        </p:spPr>
-      </p:pic>
-      <p:pic>
-        <p:nvPicPr>
-          <p:cNvPr id="8" name="圖片 7"/>
-          <p:cNvPicPr>
-            <a:picLocks noChangeAspect="1"/>
-          </p:cNvPicPr>
-          <p:nvPr/>
-        </p:nvPicPr>
-        <p:blipFill>
-          <a:blip r:embed="rId3" cstate="print">
-            <a:extLst>
-              <a:ext uri="{28A0092B-C50C-407E-A947-70E740481C1C}">
-                <a14:useLocalDpi xmlns:a14="http://schemas.microsoft.com/office/drawing/2010/main" val="0"/>
-              </a:ext>
-            </a:extLst>
-          </a:blip>
-          <a:stretch>
-            <a:fillRect/>
-          </a:stretch>
-        </p:blipFill>
-        <p:spPr>
-          <a:xfrm>
-            <a:off x="5120741" y="1628289"/>
-            <a:ext cx="2864917" cy="5093186"/>
-          </a:xfrm>
-          <a:prstGeom prst="rect">
-            <a:avLst/>
-          </a:prstGeom>
-        </p:spPr>
-      </p:pic>
     </p:spTree>
     <p:extLst>
       <p:ext uri="{BB962C8B-B14F-4D97-AF65-F5344CB8AC3E}">
-        <p14:creationId xmlns:p14="http://schemas.microsoft.com/office/powerpoint/2010/main" val="209610002"/>
+        <p14:creationId xmlns:p14="http://schemas.microsoft.com/office/powerpoint/2010/main" val="3255751196"/>
       </p:ext>
     </p:extLst>
   </p:cSld>
